--- a/misc/zeichnungen.pptx
+++ b/misc/zeichnungen.pptx
@@ -6,6 +6,7 @@
   </p:sldMasterIdLst>
   <p:sldIdLst>
     <p:sldId id="256" r:id="rId2"/>
+    <p:sldId id="257" r:id="rId3"/>
   </p:sldIdLst>
   <p:sldSz cx="9144000" cy="6858000" type="screen4x3"/>
   <p:notesSz cx="6858000" cy="9144000"/>
@@ -288,7 +289,7 @@
           <a:p>
             <a:fld id="{3E8D215E-9EDC-45B6-82BD-AACBA5328147}" type="datetimeFigureOut">
               <a:rPr lang="en-US" smtClean="0"/>
-              <a:t>11/17/2011</a:t>
+              <a:t>11/24/2011</a:t>
             </a:fld>
             <a:endParaRPr lang="en-US"/>
           </a:p>
@@ -458,7 +459,7 @@
           <a:p>
             <a:fld id="{3E8D215E-9EDC-45B6-82BD-AACBA5328147}" type="datetimeFigureOut">
               <a:rPr lang="en-US" smtClean="0"/>
-              <a:t>11/17/2011</a:t>
+              <a:t>11/24/2011</a:t>
             </a:fld>
             <a:endParaRPr lang="en-US"/>
           </a:p>
@@ -638,7 +639,7 @@
           <a:p>
             <a:fld id="{3E8D215E-9EDC-45B6-82BD-AACBA5328147}" type="datetimeFigureOut">
               <a:rPr lang="en-US" smtClean="0"/>
-              <a:t>11/17/2011</a:t>
+              <a:t>11/24/2011</a:t>
             </a:fld>
             <a:endParaRPr lang="en-US"/>
           </a:p>
@@ -808,7 +809,7 @@
           <a:p>
             <a:fld id="{3E8D215E-9EDC-45B6-82BD-AACBA5328147}" type="datetimeFigureOut">
               <a:rPr lang="en-US" smtClean="0"/>
-              <a:t>11/17/2011</a:t>
+              <a:t>11/24/2011</a:t>
             </a:fld>
             <a:endParaRPr lang="en-US"/>
           </a:p>
@@ -1054,7 +1055,7 @@
           <a:p>
             <a:fld id="{3E8D215E-9EDC-45B6-82BD-AACBA5328147}" type="datetimeFigureOut">
               <a:rPr lang="en-US" smtClean="0"/>
-              <a:t>11/17/2011</a:t>
+              <a:t>11/24/2011</a:t>
             </a:fld>
             <a:endParaRPr lang="en-US"/>
           </a:p>
@@ -1342,7 +1343,7 @@
           <a:p>
             <a:fld id="{3E8D215E-9EDC-45B6-82BD-AACBA5328147}" type="datetimeFigureOut">
               <a:rPr lang="en-US" smtClean="0"/>
-              <a:t>11/17/2011</a:t>
+              <a:t>11/24/2011</a:t>
             </a:fld>
             <a:endParaRPr lang="en-US"/>
           </a:p>
@@ -1764,7 +1765,7 @@
           <a:p>
             <a:fld id="{3E8D215E-9EDC-45B6-82BD-AACBA5328147}" type="datetimeFigureOut">
               <a:rPr lang="en-US" smtClean="0"/>
-              <a:t>11/17/2011</a:t>
+              <a:t>11/24/2011</a:t>
             </a:fld>
             <a:endParaRPr lang="en-US"/>
           </a:p>
@@ -1882,7 +1883,7 @@
           <a:p>
             <a:fld id="{3E8D215E-9EDC-45B6-82BD-AACBA5328147}" type="datetimeFigureOut">
               <a:rPr lang="en-US" smtClean="0"/>
-              <a:t>11/17/2011</a:t>
+              <a:t>11/24/2011</a:t>
             </a:fld>
             <a:endParaRPr lang="en-US"/>
           </a:p>
@@ -1977,7 +1978,7 @@
           <a:p>
             <a:fld id="{3E8D215E-9EDC-45B6-82BD-AACBA5328147}" type="datetimeFigureOut">
               <a:rPr lang="en-US" smtClean="0"/>
-              <a:t>11/17/2011</a:t>
+              <a:t>11/24/2011</a:t>
             </a:fld>
             <a:endParaRPr lang="en-US"/>
           </a:p>
@@ -2254,7 +2255,7 @@
           <a:p>
             <a:fld id="{3E8D215E-9EDC-45B6-82BD-AACBA5328147}" type="datetimeFigureOut">
               <a:rPr lang="en-US" smtClean="0"/>
-              <a:t>11/17/2011</a:t>
+              <a:t>11/24/2011</a:t>
             </a:fld>
             <a:endParaRPr lang="en-US"/>
           </a:p>
@@ -2507,7 +2508,7 @@
           <a:p>
             <a:fld id="{3E8D215E-9EDC-45B6-82BD-AACBA5328147}" type="datetimeFigureOut">
               <a:rPr lang="en-US" smtClean="0"/>
-              <a:t>11/17/2011</a:t>
+              <a:t>11/24/2011</a:t>
             </a:fld>
             <a:endParaRPr lang="en-US"/>
           </a:p>
@@ -2720,7 +2721,7 @@
           <a:p>
             <a:fld id="{3E8D215E-9EDC-45B6-82BD-AACBA5328147}" type="datetimeFigureOut">
               <a:rPr lang="en-US" smtClean="0"/>
-              <a:t>11/17/2011</a:t>
+              <a:t>11/24/2011</a:t>
             </a:fld>
             <a:endParaRPr lang="en-US"/>
           </a:p>
@@ -3829,6 +3830,1078 @@
 </p:sld>
 </file>
 
+<file path=ppt/slides/slide2.xml><?xml version="1.0" encoding="utf-8"?>
+<p:sld xmlns:a="http://schemas.openxmlformats.org/drawingml/2006/main" xmlns:r="http://schemas.openxmlformats.org/officeDocument/2006/relationships" xmlns:p="http://schemas.openxmlformats.org/presentationml/2006/main">
+  <p:cSld>
+    <p:spTree>
+      <p:nvGrpSpPr>
+        <p:cNvPr id="1" name=""/>
+        <p:cNvGrpSpPr/>
+        <p:nvPr/>
+      </p:nvGrpSpPr>
+      <p:grpSpPr>
+        <a:xfrm>
+          <a:off x="0" y="0"/>
+          <a:ext cx="0" cy="0"/>
+          <a:chOff x="0" y="0"/>
+          <a:chExt cx="0" cy="0"/>
+        </a:xfrm>
+      </p:grpSpPr>
+      <p:pic>
+        <p:nvPicPr>
+          <p:cNvPr id="1026" name="Picture 2" descr="Z:\Diplomarbeit\misc\2d-laserscan_theorie_schumann.png"/>
+          <p:cNvPicPr>
+            <a:picLocks noChangeAspect="1" noChangeArrowheads="1"/>
+          </p:cNvPicPr>
+          <p:nvPr/>
+        </p:nvPicPr>
+        <p:blipFill>
+          <a:blip r:embed="rId2">
+            <a:extLst>
+              <a:ext uri="{28A0092B-C50C-407E-A947-70E740481C1C}">
+                <a14:useLocalDpi xmlns:a14="http://schemas.microsoft.com/office/drawing/2010/main" val="0"/>
+              </a:ext>
+            </a:extLst>
+          </a:blip>
+          <a:srcRect/>
+          <a:stretch>
+            <a:fillRect/>
+          </a:stretch>
+        </p:blipFill>
+        <p:spPr bwMode="auto">
+          <a:xfrm>
+            <a:off x="467544" y="260648"/>
+            <a:ext cx="6200630" cy="4320480"/>
+          </a:xfrm>
+          <a:prstGeom prst="rect">
+            <a:avLst/>
+          </a:prstGeom>
+          <a:noFill/>
+          <a:extLst>
+            <a:ext uri="{909E8E84-426E-40DD-AFC4-6F175D3DCCD1}">
+              <a14:hiddenFill xmlns:a14="http://schemas.microsoft.com/office/drawing/2010/main">
+                <a:solidFill>
+                  <a:srgbClr val="FFFFFF"/>
+                </a:solidFill>
+              </a14:hiddenFill>
+            </a:ext>
+          </a:extLst>
+        </p:spPr>
+      </p:pic>
+      <p:cxnSp>
+        <p:nvCxnSpPr>
+          <p:cNvPr id="10" name="Gerade Verbindung 9"/>
+          <p:cNvCxnSpPr/>
+          <p:nvPr/>
+        </p:nvCxnSpPr>
+        <p:spPr>
+          <a:xfrm>
+            <a:off x="1187624" y="5796028"/>
+            <a:ext cx="4181639" cy="0"/>
+          </a:xfrm>
+          <a:prstGeom prst="line">
+            <a:avLst/>
+          </a:prstGeom>
+          <a:ln w="19050">
+            <a:solidFill>
+              <a:schemeClr val="tx1"/>
+            </a:solidFill>
+          </a:ln>
+        </p:spPr>
+        <p:style>
+          <a:lnRef idx="1">
+            <a:schemeClr val="accent1"/>
+          </a:lnRef>
+          <a:fillRef idx="0">
+            <a:schemeClr val="accent1"/>
+          </a:fillRef>
+          <a:effectRef idx="0">
+            <a:schemeClr val="accent1"/>
+          </a:effectRef>
+          <a:fontRef idx="minor">
+            <a:schemeClr val="tx1"/>
+          </a:fontRef>
+        </p:style>
+      </p:cxnSp>
+      <p:cxnSp>
+        <p:nvCxnSpPr>
+          <p:cNvPr id="11" name="Gerade Verbindung 10"/>
+          <p:cNvCxnSpPr/>
+          <p:nvPr/>
+        </p:nvCxnSpPr>
+        <p:spPr>
+          <a:xfrm>
+            <a:off x="1187624" y="6534580"/>
+            <a:ext cx="4181639" cy="0"/>
+          </a:xfrm>
+          <a:prstGeom prst="line">
+            <a:avLst/>
+          </a:prstGeom>
+          <a:ln w="19050">
+            <a:solidFill>
+              <a:schemeClr val="tx1"/>
+            </a:solidFill>
+          </a:ln>
+        </p:spPr>
+        <p:style>
+          <a:lnRef idx="1">
+            <a:schemeClr val="accent1"/>
+          </a:lnRef>
+          <a:fillRef idx="0">
+            <a:schemeClr val="accent1"/>
+          </a:fillRef>
+          <a:effectRef idx="0">
+            <a:schemeClr val="accent1"/>
+          </a:effectRef>
+          <a:fontRef idx="minor">
+            <a:schemeClr val="tx1"/>
+          </a:fontRef>
+        </p:style>
+      </p:cxnSp>
+      <p:cxnSp>
+        <p:nvCxnSpPr>
+          <p:cNvPr id="15" name="Gerade Verbindung 14"/>
+          <p:cNvCxnSpPr/>
+          <p:nvPr/>
+        </p:nvCxnSpPr>
+        <p:spPr>
+          <a:xfrm>
+            <a:off x="1187623" y="5057476"/>
+            <a:ext cx="4181639" cy="0"/>
+          </a:xfrm>
+          <a:prstGeom prst="line">
+            <a:avLst/>
+          </a:prstGeom>
+          <a:ln w="19050">
+            <a:solidFill>
+              <a:schemeClr val="tx1"/>
+            </a:solidFill>
+          </a:ln>
+        </p:spPr>
+        <p:style>
+          <a:lnRef idx="1">
+            <a:schemeClr val="accent1"/>
+          </a:lnRef>
+          <a:fillRef idx="0">
+            <a:schemeClr val="accent1"/>
+          </a:fillRef>
+          <a:effectRef idx="0">
+            <a:schemeClr val="accent1"/>
+          </a:effectRef>
+          <a:fontRef idx="minor">
+            <a:schemeClr val="tx1"/>
+          </a:fontRef>
+        </p:style>
+      </p:cxnSp>
+      <p:sp>
+        <p:nvSpPr>
+          <p:cNvPr id="20" name="Pfeil nach oben 19"/>
+          <p:cNvSpPr/>
+          <p:nvPr/>
+        </p:nvSpPr>
+        <p:spPr>
+          <a:xfrm>
+            <a:off x="1611654" y="5949280"/>
+            <a:ext cx="216024" cy="576064"/>
+          </a:xfrm>
+          <a:prstGeom prst="upArrow">
+            <a:avLst/>
+          </a:prstGeom>
+          <a:solidFill>
+            <a:srgbClr val="009BD2"/>
+          </a:solidFill>
+          <a:ln>
+            <a:noFill/>
+          </a:ln>
+        </p:spPr>
+        <p:style>
+          <a:lnRef idx="2">
+            <a:schemeClr val="accent1">
+              <a:shade val="50000"/>
+            </a:schemeClr>
+          </a:lnRef>
+          <a:fillRef idx="1">
+            <a:schemeClr val="accent1"/>
+          </a:fillRef>
+          <a:effectRef idx="0">
+            <a:schemeClr val="accent1"/>
+          </a:effectRef>
+          <a:fontRef idx="minor">
+            <a:schemeClr val="lt1"/>
+          </a:fontRef>
+        </p:style>
+        <p:txBody>
+          <a:bodyPr rtlCol="0" anchor="ctr"/>
+          <a:lstStyle/>
+          <a:p>
+            <a:pPr algn="ctr"/>
+            <a:endParaRPr lang="en-US"/>
+          </a:p>
+        </p:txBody>
+      </p:sp>
+      <p:sp>
+        <p:nvSpPr>
+          <p:cNvPr id="21" name="Pfeil nach oben 20"/>
+          <p:cNvSpPr/>
+          <p:nvPr/>
+        </p:nvSpPr>
+        <p:spPr>
+          <a:xfrm>
+            <a:off x="1611654" y="5071361"/>
+            <a:ext cx="216024" cy="876507"/>
+          </a:xfrm>
+          <a:prstGeom prst="upArrow">
+            <a:avLst/>
+          </a:prstGeom>
+          <a:solidFill>
+            <a:srgbClr val="CC0000"/>
+          </a:solidFill>
+          <a:ln>
+            <a:noFill/>
+          </a:ln>
+        </p:spPr>
+        <p:style>
+          <a:lnRef idx="2">
+            <a:schemeClr val="accent1">
+              <a:shade val="50000"/>
+            </a:schemeClr>
+          </a:lnRef>
+          <a:fillRef idx="1">
+            <a:schemeClr val="accent1"/>
+          </a:fillRef>
+          <a:effectRef idx="0">
+            <a:schemeClr val="accent1"/>
+          </a:effectRef>
+          <a:fontRef idx="minor">
+            <a:schemeClr val="lt1"/>
+          </a:fontRef>
+        </p:style>
+        <p:txBody>
+          <a:bodyPr rtlCol="0" anchor="ctr"/>
+          <a:lstStyle/>
+          <a:p>
+            <a:pPr algn="ctr"/>
+            <a:endParaRPr lang="en-US"/>
+          </a:p>
+        </p:txBody>
+      </p:sp>
+      <p:cxnSp>
+        <p:nvCxnSpPr>
+          <p:cNvPr id="22" name="Gerade Verbindung 21"/>
+          <p:cNvCxnSpPr/>
+          <p:nvPr/>
+        </p:nvCxnSpPr>
+        <p:spPr>
+          <a:xfrm>
+            <a:off x="1547664" y="5949280"/>
+            <a:ext cx="376779" cy="0"/>
+          </a:xfrm>
+          <a:prstGeom prst="line">
+            <a:avLst/>
+          </a:prstGeom>
+          <a:ln w="12700">
+            <a:solidFill>
+              <a:schemeClr val="tx1"/>
+            </a:solidFill>
+            <a:prstDash val="sysDash"/>
+          </a:ln>
+        </p:spPr>
+        <p:style>
+          <a:lnRef idx="1">
+            <a:schemeClr val="accent1"/>
+          </a:lnRef>
+          <a:fillRef idx="0">
+            <a:schemeClr val="accent1"/>
+          </a:fillRef>
+          <a:effectRef idx="0">
+            <a:schemeClr val="accent1"/>
+          </a:effectRef>
+          <a:fontRef idx="minor">
+            <a:schemeClr val="tx1"/>
+          </a:fontRef>
+        </p:style>
+      </p:cxnSp>
+      <p:sp>
+        <p:nvSpPr>
+          <p:cNvPr id="23" name="Pfeil nach links und rechts 22"/>
+          <p:cNvSpPr/>
+          <p:nvPr/>
+        </p:nvSpPr>
+        <p:spPr>
+          <a:xfrm>
+            <a:off x="3649262" y="2093803"/>
+            <a:ext cx="1642818" cy="654169"/>
+          </a:xfrm>
+          <a:prstGeom prst="leftRightArrow">
+            <a:avLst/>
+          </a:prstGeom>
+          <a:noFill/>
+          <a:ln w="12700">
+            <a:solidFill>
+              <a:schemeClr val="tx1"/>
+            </a:solidFill>
+            <a:prstDash val="sysDash"/>
+          </a:ln>
+        </p:spPr>
+        <p:style>
+          <a:lnRef idx="2">
+            <a:schemeClr val="accent1">
+              <a:shade val="50000"/>
+            </a:schemeClr>
+          </a:lnRef>
+          <a:fillRef idx="1">
+            <a:schemeClr val="accent1"/>
+          </a:fillRef>
+          <a:effectRef idx="0">
+            <a:schemeClr val="accent1"/>
+          </a:effectRef>
+          <a:fontRef idx="minor">
+            <a:schemeClr val="lt1"/>
+          </a:fontRef>
+        </p:style>
+        <p:txBody>
+          <a:bodyPr rtlCol="0" anchor="ctr"/>
+          <a:lstStyle/>
+          <a:p>
+            <a:pPr algn="ctr"/>
+            <a:r>
+              <a:rPr lang="de-DE" sz="3200" dirty="0" smtClean="0">
+                <a:solidFill>
+                  <a:schemeClr val="tx1"/>
+                </a:solidFill>
+              </a:rPr>
+              <a:t>C</a:t>
+            </a:r>
+            <a:endParaRPr lang="en-US" sz="3200" dirty="0">
+              <a:solidFill>
+                <a:schemeClr val="tx1"/>
+              </a:solidFill>
+            </a:endParaRPr>
+          </a:p>
+        </p:txBody>
+      </p:sp>
+      <p:sp>
+        <p:nvSpPr>
+          <p:cNvPr id="24" name="Pfeil nach oben und unten 23"/>
+          <p:cNvSpPr/>
+          <p:nvPr/>
+        </p:nvSpPr>
+        <p:spPr>
+          <a:xfrm>
+            <a:off x="3005161" y="548680"/>
+            <a:ext cx="562698" cy="1224136"/>
+          </a:xfrm>
+          <a:prstGeom prst="upDownArrow">
+            <a:avLst/>
+          </a:prstGeom>
+          <a:noFill/>
+          <a:ln w="12700">
+            <a:solidFill>
+              <a:schemeClr val="tx1"/>
+            </a:solidFill>
+            <a:prstDash val="sysDash"/>
+          </a:ln>
+        </p:spPr>
+        <p:style>
+          <a:lnRef idx="2">
+            <a:schemeClr val="accent1">
+              <a:shade val="50000"/>
+            </a:schemeClr>
+          </a:lnRef>
+          <a:fillRef idx="1">
+            <a:schemeClr val="accent1"/>
+          </a:fillRef>
+          <a:effectRef idx="0">
+            <a:schemeClr val="accent1"/>
+          </a:effectRef>
+          <a:fontRef idx="minor">
+            <a:schemeClr val="lt1"/>
+          </a:fontRef>
+        </p:style>
+        <p:txBody>
+          <a:bodyPr rtlCol="0" anchor="ctr"/>
+          <a:lstStyle/>
+          <a:p>
+            <a:pPr algn="ctr"/>
+            <a:r>
+              <a:rPr lang="de-DE" sz="3200" dirty="0" smtClean="0">
+                <a:solidFill>
+                  <a:schemeClr val="tx1"/>
+                </a:solidFill>
+              </a:rPr>
+              <a:t>B</a:t>
+            </a:r>
+            <a:endParaRPr lang="en-US" sz="3200" dirty="0">
+              <a:solidFill>
+                <a:schemeClr val="tx1"/>
+              </a:solidFill>
+            </a:endParaRPr>
+          </a:p>
+        </p:txBody>
+      </p:sp>
+      <p:grpSp>
+        <p:nvGrpSpPr>
+          <p:cNvPr id="27" name="Gruppieren 26"/>
+          <p:cNvGrpSpPr/>
+          <p:nvPr/>
+        </p:nvGrpSpPr>
+        <p:grpSpPr>
+          <a:xfrm>
+            <a:off x="1629799" y="548680"/>
+            <a:ext cx="605324" cy="1224136"/>
+            <a:chOff x="2087345" y="1360651"/>
+            <a:chExt cx="605324" cy="1224136"/>
+          </a:xfrm>
+        </p:grpSpPr>
+        <p:sp>
+          <p:nvSpPr>
+            <p:cNvPr id="26" name="Pfeil nach oben und unten 25"/>
+            <p:cNvSpPr/>
+            <p:nvPr/>
+          </p:nvSpPr>
+          <p:spPr>
+            <a:xfrm rot="18900000">
+              <a:off x="2087345" y="1360651"/>
+              <a:ext cx="605324" cy="1224136"/>
+            </a:xfrm>
+            <a:prstGeom prst="upDownArrow">
+              <a:avLst/>
+            </a:prstGeom>
+            <a:noFill/>
+            <a:ln w="12700">
+              <a:solidFill>
+                <a:schemeClr val="tx1"/>
+              </a:solidFill>
+              <a:prstDash val="sysDash"/>
+            </a:ln>
+          </p:spPr>
+          <p:style>
+            <a:lnRef idx="2">
+              <a:schemeClr val="accent1">
+                <a:shade val="50000"/>
+              </a:schemeClr>
+            </a:lnRef>
+            <a:fillRef idx="1">
+              <a:schemeClr val="accent1"/>
+            </a:fillRef>
+            <a:effectRef idx="0">
+              <a:schemeClr val="accent1"/>
+            </a:effectRef>
+            <a:fontRef idx="minor">
+              <a:schemeClr val="lt1"/>
+            </a:fontRef>
+          </p:style>
+          <p:txBody>
+            <a:bodyPr rtlCol="0" anchor="ctr"/>
+            <a:lstStyle/>
+            <a:p>
+              <a:pPr algn="ctr"/>
+              <a:endParaRPr lang="en-US" sz="3200" dirty="0">
+                <a:solidFill>
+                  <a:schemeClr val="tx1"/>
+                </a:solidFill>
+              </a:endParaRPr>
+            </a:p>
+          </p:txBody>
+        </p:sp>
+        <p:sp>
+          <p:nvSpPr>
+            <p:cNvPr id="25" name="Rechteck 24"/>
+            <p:cNvSpPr/>
+            <p:nvPr/>
+          </p:nvSpPr>
+          <p:spPr>
+            <a:xfrm>
+              <a:off x="2194122" y="1665261"/>
+              <a:ext cx="421910" cy="584775"/>
+            </a:xfrm>
+            <a:prstGeom prst="rect">
+              <a:avLst/>
+            </a:prstGeom>
+          </p:spPr>
+          <p:txBody>
+            <a:bodyPr wrap="none">
+              <a:spAutoFit/>
+            </a:bodyPr>
+            <a:lstStyle/>
+            <a:p>
+              <a:pPr algn="ctr"/>
+              <a:r>
+                <a:rPr lang="de-DE" sz="3200" dirty="0"/>
+                <a:t>A</a:t>
+              </a:r>
+              <a:endParaRPr lang="en-US" sz="3200" dirty="0"/>
+            </a:p>
+          </p:txBody>
+        </p:sp>
+      </p:grpSp>
+      <p:sp>
+        <p:nvSpPr>
+          <p:cNvPr id="30" name="Rechteck 29"/>
+          <p:cNvSpPr/>
+          <p:nvPr/>
+        </p:nvSpPr>
+        <p:spPr>
+          <a:xfrm>
+            <a:off x="643179" y="5947868"/>
+            <a:ext cx="544444" cy="400110"/>
+          </a:xfrm>
+          <a:prstGeom prst="rect">
+            <a:avLst/>
+          </a:prstGeom>
+        </p:spPr>
+        <p:txBody>
+          <a:bodyPr wrap="none">
+            <a:spAutoFit/>
+          </a:bodyPr>
+          <a:lstStyle/>
+          <a:p>
+            <a:pPr algn="ctr"/>
+            <a:r>
+              <a:rPr lang="de-DE" sz="2000" dirty="0" smtClean="0"/>
+              <a:t>FES</a:t>
+            </a:r>
+            <a:endParaRPr lang="en-US" sz="2000" dirty="0"/>
+          </a:p>
+        </p:txBody>
+      </p:sp>
+      <p:sp>
+        <p:nvSpPr>
+          <p:cNvPr id="31" name="Rechteck 30"/>
+          <p:cNvSpPr/>
+          <p:nvPr/>
+        </p:nvSpPr>
+        <p:spPr>
+          <a:xfrm>
+            <a:off x="643179" y="5231346"/>
+            <a:ext cx="544444" cy="400110"/>
+          </a:xfrm>
+          <a:prstGeom prst="rect">
+            <a:avLst/>
+          </a:prstGeom>
+        </p:spPr>
+        <p:txBody>
+          <a:bodyPr wrap="none">
+            <a:spAutoFit/>
+          </a:bodyPr>
+          <a:lstStyle/>
+          <a:p>
+            <a:pPr algn="ctr"/>
+            <a:r>
+              <a:rPr lang="de-DE" sz="2000" dirty="0" smtClean="0"/>
+              <a:t>SES</a:t>
+            </a:r>
+            <a:endParaRPr lang="en-US" sz="2000" dirty="0"/>
+          </a:p>
+        </p:txBody>
+      </p:sp>
+      <p:sp>
+        <p:nvSpPr>
+          <p:cNvPr id="33" name="Pfeil nach oben 32"/>
+          <p:cNvSpPr/>
+          <p:nvPr/>
+        </p:nvSpPr>
+        <p:spPr>
+          <a:xfrm>
+            <a:off x="1954955" y="5589240"/>
+            <a:ext cx="216024" cy="936104"/>
+          </a:xfrm>
+          <a:prstGeom prst="upArrow">
+            <a:avLst/>
+          </a:prstGeom>
+          <a:solidFill>
+            <a:srgbClr val="009BD2"/>
+          </a:solidFill>
+          <a:ln>
+            <a:noFill/>
+          </a:ln>
+        </p:spPr>
+        <p:style>
+          <a:lnRef idx="2">
+            <a:schemeClr val="accent1">
+              <a:shade val="50000"/>
+            </a:schemeClr>
+          </a:lnRef>
+          <a:fillRef idx="1">
+            <a:schemeClr val="accent1"/>
+          </a:fillRef>
+          <a:effectRef idx="0">
+            <a:schemeClr val="accent1"/>
+          </a:effectRef>
+          <a:fontRef idx="minor">
+            <a:schemeClr val="lt1"/>
+          </a:fontRef>
+        </p:style>
+        <p:txBody>
+          <a:bodyPr rtlCol="0" anchor="ctr"/>
+          <a:lstStyle/>
+          <a:p>
+            <a:pPr algn="ctr"/>
+            <a:endParaRPr lang="en-US"/>
+          </a:p>
+        </p:txBody>
+      </p:sp>
+      <p:sp>
+        <p:nvSpPr>
+          <p:cNvPr id="34" name="Pfeil nach oben 33"/>
+          <p:cNvSpPr/>
+          <p:nvPr/>
+        </p:nvSpPr>
+        <p:spPr>
+          <a:xfrm>
+            <a:off x="1954955" y="5071361"/>
+            <a:ext cx="216024" cy="517879"/>
+          </a:xfrm>
+          <a:prstGeom prst="upArrow">
+            <a:avLst/>
+          </a:prstGeom>
+          <a:solidFill>
+            <a:srgbClr val="CC0000"/>
+          </a:solidFill>
+          <a:ln>
+            <a:noFill/>
+          </a:ln>
+        </p:spPr>
+        <p:style>
+          <a:lnRef idx="2">
+            <a:schemeClr val="accent1">
+              <a:shade val="50000"/>
+            </a:schemeClr>
+          </a:lnRef>
+          <a:fillRef idx="1">
+            <a:schemeClr val="accent1"/>
+          </a:fillRef>
+          <a:effectRef idx="0">
+            <a:schemeClr val="accent1"/>
+          </a:effectRef>
+          <a:fontRef idx="minor">
+            <a:schemeClr val="lt1"/>
+          </a:fontRef>
+        </p:style>
+        <p:txBody>
+          <a:bodyPr rtlCol="0" anchor="ctr"/>
+          <a:lstStyle/>
+          <a:p>
+            <a:pPr algn="ctr"/>
+            <a:endParaRPr lang="en-US"/>
+          </a:p>
+        </p:txBody>
+      </p:sp>
+      <p:cxnSp>
+        <p:nvCxnSpPr>
+          <p:cNvPr id="35" name="Gerade Verbindung 34"/>
+          <p:cNvCxnSpPr/>
+          <p:nvPr/>
+        </p:nvCxnSpPr>
+        <p:spPr>
+          <a:xfrm>
+            <a:off x="1890965" y="5589240"/>
+            <a:ext cx="376779" cy="0"/>
+          </a:xfrm>
+          <a:prstGeom prst="line">
+            <a:avLst/>
+          </a:prstGeom>
+          <a:ln w="12700">
+            <a:solidFill>
+              <a:schemeClr val="tx1"/>
+            </a:solidFill>
+            <a:prstDash val="sysDash"/>
+          </a:ln>
+        </p:spPr>
+        <p:style>
+          <a:lnRef idx="1">
+            <a:schemeClr val="accent1"/>
+          </a:lnRef>
+          <a:fillRef idx="0">
+            <a:schemeClr val="accent1"/>
+          </a:fillRef>
+          <a:effectRef idx="0">
+            <a:schemeClr val="accent1"/>
+          </a:effectRef>
+          <a:fontRef idx="minor">
+            <a:schemeClr val="tx1"/>
+          </a:fontRef>
+        </p:style>
+      </p:cxnSp>
+      <p:sp>
+        <p:nvSpPr>
+          <p:cNvPr id="37" name="Pfeil nach oben 36"/>
+          <p:cNvSpPr/>
+          <p:nvPr/>
+        </p:nvSpPr>
+        <p:spPr>
+          <a:xfrm>
+            <a:off x="2843808" y="4910285"/>
+            <a:ext cx="216024" cy="876507"/>
+          </a:xfrm>
+          <a:prstGeom prst="upArrow">
+            <a:avLst/>
+          </a:prstGeom>
+          <a:solidFill>
+            <a:srgbClr val="CC0000"/>
+          </a:solidFill>
+          <a:ln>
+            <a:noFill/>
+          </a:ln>
+        </p:spPr>
+        <p:style>
+          <a:lnRef idx="2">
+            <a:schemeClr val="accent1">
+              <a:shade val="50000"/>
+            </a:schemeClr>
+          </a:lnRef>
+          <a:fillRef idx="1">
+            <a:schemeClr val="accent1"/>
+          </a:fillRef>
+          <a:effectRef idx="0">
+            <a:schemeClr val="accent1"/>
+          </a:effectRef>
+          <a:fontRef idx="minor">
+            <a:schemeClr val="lt1"/>
+          </a:fontRef>
+        </p:style>
+        <p:txBody>
+          <a:bodyPr rtlCol="0" anchor="ctr"/>
+          <a:lstStyle/>
+          <a:p>
+            <a:pPr algn="ctr"/>
+            <a:endParaRPr lang="en-US"/>
+          </a:p>
+        </p:txBody>
+      </p:sp>
+      <p:sp>
+        <p:nvSpPr>
+          <p:cNvPr id="39" name="Pfeil nach oben 38"/>
+          <p:cNvSpPr/>
+          <p:nvPr/>
+        </p:nvSpPr>
+        <p:spPr>
+          <a:xfrm>
+            <a:off x="3131840" y="5796028"/>
+            <a:ext cx="188088" cy="730728"/>
+          </a:xfrm>
+          <a:prstGeom prst="upArrow">
+            <a:avLst/>
+          </a:prstGeom>
+          <a:solidFill>
+            <a:srgbClr val="009BD2"/>
+          </a:solidFill>
+          <a:ln>
+            <a:noFill/>
+          </a:ln>
+        </p:spPr>
+        <p:style>
+          <a:lnRef idx="2">
+            <a:schemeClr val="accent1">
+              <a:shade val="50000"/>
+            </a:schemeClr>
+          </a:lnRef>
+          <a:fillRef idx="1">
+            <a:schemeClr val="accent1"/>
+          </a:fillRef>
+          <a:effectRef idx="0">
+            <a:schemeClr val="accent1"/>
+          </a:effectRef>
+          <a:fontRef idx="minor">
+            <a:schemeClr val="lt1"/>
+          </a:fontRef>
+        </p:style>
+        <p:txBody>
+          <a:bodyPr rtlCol="0" anchor="ctr"/>
+          <a:lstStyle/>
+          <a:p>
+            <a:pPr algn="ctr"/>
+            <a:endParaRPr lang="en-US"/>
+          </a:p>
+        </p:txBody>
+      </p:sp>
+      <p:sp>
+        <p:nvSpPr>
+          <p:cNvPr id="40" name="Pfeil nach oben 39"/>
+          <p:cNvSpPr/>
+          <p:nvPr/>
+        </p:nvSpPr>
+        <p:spPr>
+          <a:xfrm>
+            <a:off x="3347864" y="5268913"/>
+            <a:ext cx="216024" cy="517879"/>
+          </a:xfrm>
+          <a:prstGeom prst="upArrow">
+            <a:avLst/>
+          </a:prstGeom>
+          <a:solidFill>
+            <a:srgbClr val="CC0000"/>
+          </a:solidFill>
+          <a:ln>
+            <a:noFill/>
+          </a:ln>
+        </p:spPr>
+        <p:style>
+          <a:lnRef idx="2">
+            <a:schemeClr val="accent1">
+              <a:shade val="50000"/>
+            </a:schemeClr>
+          </a:lnRef>
+          <a:fillRef idx="1">
+            <a:schemeClr val="accent1"/>
+          </a:fillRef>
+          <a:effectRef idx="0">
+            <a:schemeClr val="accent1"/>
+          </a:effectRef>
+          <a:fontRef idx="minor">
+            <a:schemeClr val="lt1"/>
+          </a:fontRef>
+        </p:style>
+        <p:txBody>
+          <a:bodyPr rtlCol="0" anchor="ctr"/>
+          <a:lstStyle/>
+          <a:p>
+            <a:pPr algn="ctr"/>
+            <a:endParaRPr lang="en-US"/>
+          </a:p>
+        </p:txBody>
+      </p:sp>
+      <p:sp>
+        <p:nvSpPr>
+          <p:cNvPr id="43" name="Pfeil nach oben 42"/>
+          <p:cNvSpPr/>
+          <p:nvPr/>
+        </p:nvSpPr>
+        <p:spPr>
+          <a:xfrm>
+            <a:off x="4671944" y="5589240"/>
+            <a:ext cx="188088" cy="937516"/>
+          </a:xfrm>
+          <a:prstGeom prst="upArrow">
+            <a:avLst/>
+          </a:prstGeom>
+          <a:solidFill>
+            <a:srgbClr val="009BD2"/>
+          </a:solidFill>
+          <a:ln>
+            <a:noFill/>
+          </a:ln>
+        </p:spPr>
+        <p:style>
+          <a:lnRef idx="2">
+            <a:schemeClr val="accent1">
+              <a:shade val="50000"/>
+            </a:schemeClr>
+          </a:lnRef>
+          <a:fillRef idx="1">
+            <a:schemeClr val="accent1"/>
+          </a:fillRef>
+          <a:effectRef idx="0">
+            <a:schemeClr val="accent1"/>
+          </a:effectRef>
+          <a:fontRef idx="minor">
+            <a:schemeClr val="lt1"/>
+          </a:fontRef>
+        </p:style>
+        <p:txBody>
+          <a:bodyPr rtlCol="0" anchor="ctr"/>
+          <a:lstStyle/>
+          <a:p>
+            <a:pPr algn="ctr"/>
+            <a:endParaRPr lang="en-US"/>
+          </a:p>
+        </p:txBody>
+      </p:sp>
+      <p:sp>
+        <p:nvSpPr>
+          <p:cNvPr id="44" name="Pfeil nach oben 43"/>
+          <p:cNvSpPr/>
+          <p:nvPr/>
+        </p:nvSpPr>
+        <p:spPr>
+          <a:xfrm>
+            <a:off x="4427984" y="5062125"/>
+            <a:ext cx="213438" cy="724667"/>
+          </a:xfrm>
+          <a:prstGeom prst="upArrow">
+            <a:avLst/>
+          </a:prstGeom>
+          <a:solidFill>
+            <a:srgbClr val="CC0000"/>
+          </a:solidFill>
+          <a:ln>
+            <a:noFill/>
+          </a:ln>
+        </p:spPr>
+        <p:style>
+          <a:lnRef idx="2">
+            <a:schemeClr val="accent1">
+              <a:shade val="50000"/>
+            </a:schemeClr>
+          </a:lnRef>
+          <a:fillRef idx="1">
+            <a:schemeClr val="accent1"/>
+          </a:fillRef>
+          <a:effectRef idx="0">
+            <a:schemeClr val="accent1"/>
+          </a:effectRef>
+          <a:fontRef idx="minor">
+            <a:schemeClr val="lt1"/>
+          </a:fontRef>
+        </p:style>
+        <p:txBody>
+          <a:bodyPr rtlCol="0" anchor="ctr"/>
+          <a:lstStyle/>
+          <a:p>
+            <a:pPr algn="ctr"/>
+            <a:endParaRPr lang="en-US"/>
+          </a:p>
+        </p:txBody>
+      </p:sp>
+      <p:sp>
+        <p:nvSpPr>
+          <p:cNvPr id="45" name="Pfeil nach oben 44"/>
+          <p:cNvSpPr/>
+          <p:nvPr/>
+        </p:nvSpPr>
+        <p:spPr>
+          <a:xfrm>
+            <a:off x="4211960" y="5947868"/>
+            <a:ext cx="188088" cy="577476"/>
+          </a:xfrm>
+          <a:prstGeom prst="upArrow">
+            <a:avLst/>
+          </a:prstGeom>
+          <a:solidFill>
+            <a:srgbClr val="009BD2"/>
+          </a:solidFill>
+          <a:ln>
+            <a:noFill/>
+          </a:ln>
+        </p:spPr>
+        <p:style>
+          <a:lnRef idx="2">
+            <a:schemeClr val="accent1">
+              <a:shade val="50000"/>
+            </a:schemeClr>
+          </a:lnRef>
+          <a:fillRef idx="1">
+            <a:schemeClr val="accent1"/>
+          </a:fillRef>
+          <a:effectRef idx="0">
+            <a:schemeClr val="accent1"/>
+          </a:effectRef>
+          <a:fontRef idx="minor">
+            <a:schemeClr val="lt1"/>
+          </a:fontRef>
+        </p:style>
+        <p:txBody>
+          <a:bodyPr rtlCol="0" anchor="ctr"/>
+          <a:lstStyle/>
+          <a:p>
+            <a:pPr algn="ctr"/>
+            <a:endParaRPr lang="en-US"/>
+          </a:p>
+        </p:txBody>
+      </p:sp>
+      <p:sp>
+        <p:nvSpPr>
+          <p:cNvPr id="46" name="Rechteck 45"/>
+          <p:cNvSpPr/>
+          <p:nvPr/>
+        </p:nvSpPr>
+        <p:spPr>
+          <a:xfrm>
+            <a:off x="1719391" y="4688639"/>
+            <a:ext cx="333745" cy="400110"/>
+          </a:xfrm>
+          <a:prstGeom prst="rect">
+            <a:avLst/>
+          </a:prstGeom>
+        </p:spPr>
+        <p:txBody>
+          <a:bodyPr wrap="none">
+            <a:spAutoFit/>
+          </a:bodyPr>
+          <a:lstStyle/>
+          <a:p>
+            <a:pPr algn="ctr"/>
+            <a:r>
+              <a:rPr lang="de-DE" sz="2000" dirty="0" smtClean="0"/>
+              <a:t>A</a:t>
+            </a:r>
+            <a:endParaRPr lang="en-US" sz="2000" dirty="0"/>
+          </a:p>
+        </p:txBody>
+      </p:sp>
+      <p:sp>
+        <p:nvSpPr>
+          <p:cNvPr id="47" name="Rechteck 46"/>
+          <p:cNvSpPr/>
+          <p:nvPr/>
+        </p:nvSpPr>
+        <p:spPr>
+          <a:xfrm>
+            <a:off x="3058490" y="4688639"/>
+            <a:ext cx="333745" cy="400110"/>
+          </a:xfrm>
+          <a:prstGeom prst="rect">
+            <a:avLst/>
+          </a:prstGeom>
+        </p:spPr>
+        <p:txBody>
+          <a:bodyPr wrap="none">
+            <a:spAutoFit/>
+          </a:bodyPr>
+          <a:lstStyle/>
+          <a:p>
+            <a:pPr algn="ctr"/>
+            <a:r>
+              <a:rPr lang="de-DE" sz="2000" dirty="0" smtClean="0"/>
+              <a:t>B</a:t>
+            </a:r>
+            <a:endParaRPr lang="en-US" sz="2000" dirty="0"/>
+          </a:p>
+        </p:txBody>
+      </p:sp>
+      <p:sp>
+        <p:nvSpPr>
+          <p:cNvPr id="48" name="Rechteck 47"/>
+          <p:cNvSpPr/>
+          <p:nvPr/>
+        </p:nvSpPr>
+        <p:spPr>
+          <a:xfrm>
+            <a:off x="4374242" y="4688639"/>
+            <a:ext cx="320921" cy="400110"/>
+          </a:xfrm>
+          <a:prstGeom prst="rect">
+            <a:avLst/>
+          </a:prstGeom>
+        </p:spPr>
+        <p:txBody>
+          <a:bodyPr wrap="none">
+            <a:spAutoFit/>
+          </a:bodyPr>
+          <a:lstStyle/>
+          <a:p>
+            <a:pPr algn="ctr"/>
+            <a:r>
+              <a:rPr lang="de-DE" sz="2000" dirty="0" smtClean="0"/>
+              <a:t>C</a:t>
+            </a:r>
+            <a:endParaRPr lang="en-US" sz="2000" dirty="0"/>
+          </a:p>
+        </p:txBody>
+      </p:sp>
+    </p:spTree>
+    <p:extLst>
+      <p:ext uri="{BB962C8B-B14F-4D97-AF65-F5344CB8AC3E}">
+        <p14:creationId xmlns:p14="http://schemas.microsoft.com/office/powerpoint/2010/main" val="4045424879"/>
+      </p:ext>
+    </p:extLst>
+  </p:cSld>
+  <p:clrMapOvr>
+    <a:masterClrMapping/>
+  </p:clrMapOvr>
+</p:sld>
+</file>
+
 <file path=ppt/theme/theme1.xml><?xml version="1.0" encoding="utf-8"?>
 <a:theme xmlns:a="http://schemas.openxmlformats.org/drawingml/2006/main" name="Larissa">
   <a:themeElements>

--- a/misc/zeichnungen.pptx
+++ b/misc/zeichnungen.pptx
@@ -7,6 +7,7 @@
   <p:sldIdLst>
     <p:sldId id="256" r:id="rId2"/>
     <p:sldId id="257" r:id="rId3"/>
+    <p:sldId id="258" r:id="rId4"/>
   </p:sldIdLst>
   <p:sldSz cx="9144000" cy="6858000" type="screen4x3"/>
   <p:notesSz cx="6858000" cy="9144000"/>
@@ -289,7 +290,7 @@
           <a:p>
             <a:fld id="{3E8D215E-9EDC-45B6-82BD-AACBA5328147}" type="datetimeFigureOut">
               <a:rPr lang="en-US" smtClean="0"/>
-              <a:t>11/24/2011</a:t>
+              <a:t>11/30/2011</a:t>
             </a:fld>
             <a:endParaRPr lang="en-US"/>
           </a:p>
@@ -459,7 +460,7 @@
           <a:p>
             <a:fld id="{3E8D215E-9EDC-45B6-82BD-AACBA5328147}" type="datetimeFigureOut">
               <a:rPr lang="en-US" smtClean="0"/>
-              <a:t>11/24/2011</a:t>
+              <a:t>11/30/2011</a:t>
             </a:fld>
             <a:endParaRPr lang="en-US"/>
           </a:p>
@@ -639,7 +640,7 @@
           <a:p>
             <a:fld id="{3E8D215E-9EDC-45B6-82BD-AACBA5328147}" type="datetimeFigureOut">
               <a:rPr lang="en-US" smtClean="0"/>
-              <a:t>11/24/2011</a:t>
+              <a:t>11/30/2011</a:t>
             </a:fld>
             <a:endParaRPr lang="en-US"/>
           </a:p>
@@ -809,7 +810,7 @@
           <a:p>
             <a:fld id="{3E8D215E-9EDC-45B6-82BD-AACBA5328147}" type="datetimeFigureOut">
               <a:rPr lang="en-US" smtClean="0"/>
-              <a:t>11/24/2011</a:t>
+              <a:t>11/30/2011</a:t>
             </a:fld>
             <a:endParaRPr lang="en-US"/>
           </a:p>
@@ -1055,7 +1056,7 @@
           <a:p>
             <a:fld id="{3E8D215E-9EDC-45B6-82BD-AACBA5328147}" type="datetimeFigureOut">
               <a:rPr lang="en-US" smtClean="0"/>
-              <a:t>11/24/2011</a:t>
+              <a:t>11/30/2011</a:t>
             </a:fld>
             <a:endParaRPr lang="en-US"/>
           </a:p>
@@ -1343,7 +1344,7 @@
           <a:p>
             <a:fld id="{3E8D215E-9EDC-45B6-82BD-AACBA5328147}" type="datetimeFigureOut">
               <a:rPr lang="en-US" smtClean="0"/>
-              <a:t>11/24/2011</a:t>
+              <a:t>11/30/2011</a:t>
             </a:fld>
             <a:endParaRPr lang="en-US"/>
           </a:p>
@@ -1765,7 +1766,7 @@
           <a:p>
             <a:fld id="{3E8D215E-9EDC-45B6-82BD-AACBA5328147}" type="datetimeFigureOut">
               <a:rPr lang="en-US" smtClean="0"/>
-              <a:t>11/24/2011</a:t>
+              <a:t>11/30/2011</a:t>
             </a:fld>
             <a:endParaRPr lang="en-US"/>
           </a:p>
@@ -1883,7 +1884,7 @@
           <a:p>
             <a:fld id="{3E8D215E-9EDC-45B6-82BD-AACBA5328147}" type="datetimeFigureOut">
               <a:rPr lang="en-US" smtClean="0"/>
-              <a:t>11/24/2011</a:t>
+              <a:t>11/30/2011</a:t>
             </a:fld>
             <a:endParaRPr lang="en-US"/>
           </a:p>
@@ -1978,7 +1979,7 @@
           <a:p>
             <a:fld id="{3E8D215E-9EDC-45B6-82BD-AACBA5328147}" type="datetimeFigureOut">
               <a:rPr lang="en-US" smtClean="0"/>
-              <a:t>11/24/2011</a:t>
+              <a:t>11/30/2011</a:t>
             </a:fld>
             <a:endParaRPr lang="en-US"/>
           </a:p>
@@ -2255,7 +2256,7 @@
           <a:p>
             <a:fld id="{3E8D215E-9EDC-45B6-82BD-AACBA5328147}" type="datetimeFigureOut">
               <a:rPr lang="en-US" smtClean="0"/>
-              <a:t>11/24/2011</a:t>
+              <a:t>11/30/2011</a:t>
             </a:fld>
             <a:endParaRPr lang="en-US"/>
           </a:p>
@@ -2508,7 +2509,7 @@
           <a:p>
             <a:fld id="{3E8D215E-9EDC-45B6-82BD-AACBA5328147}" type="datetimeFigureOut">
               <a:rPr lang="en-US" smtClean="0"/>
-              <a:t>11/24/2011</a:t>
+              <a:t>11/30/2011</a:t>
             </a:fld>
             <a:endParaRPr lang="en-US"/>
           </a:p>
@@ -2721,7 +2722,7 @@
           <a:p>
             <a:fld id="{3E8D215E-9EDC-45B6-82BD-AACBA5328147}" type="datetimeFigureOut">
               <a:rPr lang="en-US" smtClean="0"/>
-              <a:t>11/24/2011</a:t>
+              <a:t>11/30/2011</a:t>
             </a:fld>
             <a:endParaRPr lang="en-US"/>
           </a:p>
@@ -4902,6 +4903,1079 @@
 </p:sld>
 </file>
 
+<file path=ppt/slides/slide3.xml><?xml version="1.0" encoding="utf-8"?>
+<p:sld xmlns:a="http://schemas.openxmlformats.org/drawingml/2006/main" xmlns:r="http://schemas.openxmlformats.org/officeDocument/2006/relationships" xmlns:p="http://schemas.openxmlformats.org/presentationml/2006/main">
+  <p:cSld>
+    <p:spTree>
+      <p:nvGrpSpPr>
+        <p:cNvPr id="1" name=""/>
+        <p:cNvGrpSpPr/>
+        <p:nvPr/>
+      </p:nvGrpSpPr>
+      <p:grpSpPr>
+        <a:xfrm>
+          <a:off x="0" y="0"/>
+          <a:ext cx="0" cy="0"/>
+          <a:chOff x="0" y="0"/>
+          <a:chExt cx="0" cy="0"/>
+        </a:xfrm>
+      </p:grpSpPr>
+      <p:cxnSp>
+        <p:nvCxnSpPr>
+          <p:cNvPr id="3" name="Gerade Verbindung 2"/>
+          <p:cNvCxnSpPr/>
+          <p:nvPr/>
+        </p:nvCxnSpPr>
+        <p:spPr>
+          <a:xfrm>
+            <a:off x="5040363" y="1429815"/>
+            <a:ext cx="0" cy="936104"/>
+          </a:xfrm>
+          <a:prstGeom prst="line">
+            <a:avLst/>
+          </a:prstGeom>
+          <a:ln w="25400">
+            <a:solidFill>
+              <a:schemeClr val="tx1"/>
+            </a:solidFill>
+          </a:ln>
+        </p:spPr>
+        <p:style>
+          <a:lnRef idx="1">
+            <a:schemeClr val="accent1"/>
+          </a:lnRef>
+          <a:fillRef idx="0">
+            <a:schemeClr val="accent1"/>
+          </a:fillRef>
+          <a:effectRef idx="0">
+            <a:schemeClr val="accent1"/>
+          </a:effectRef>
+          <a:fontRef idx="minor">
+            <a:schemeClr val="tx1"/>
+          </a:fontRef>
+        </p:style>
+      </p:cxnSp>
+      <p:cxnSp>
+        <p:nvCxnSpPr>
+          <p:cNvPr id="32" name="Gerade Verbindung 31"/>
+          <p:cNvCxnSpPr/>
+          <p:nvPr/>
+        </p:nvCxnSpPr>
+        <p:spPr>
+          <a:xfrm>
+            <a:off x="7402338" y="1429815"/>
+            <a:ext cx="0" cy="936104"/>
+          </a:xfrm>
+          <a:prstGeom prst="line">
+            <a:avLst/>
+          </a:prstGeom>
+          <a:ln w="25400">
+            <a:solidFill>
+              <a:schemeClr val="tx1"/>
+            </a:solidFill>
+          </a:ln>
+        </p:spPr>
+        <p:style>
+          <a:lnRef idx="1">
+            <a:schemeClr val="accent1"/>
+          </a:lnRef>
+          <a:fillRef idx="0">
+            <a:schemeClr val="accent1"/>
+          </a:fillRef>
+          <a:effectRef idx="0">
+            <a:schemeClr val="accent1"/>
+          </a:effectRef>
+          <a:fontRef idx="minor">
+            <a:schemeClr val="tx1"/>
+          </a:fontRef>
+        </p:style>
+      </p:cxnSp>
+      <p:sp>
+        <p:nvSpPr>
+          <p:cNvPr id="4" name="Rechteck 3"/>
+          <p:cNvSpPr/>
+          <p:nvPr/>
+        </p:nvSpPr>
+        <p:spPr>
+          <a:xfrm>
+            <a:off x="5070374" y="1434288"/>
+            <a:ext cx="2304256" cy="936104"/>
+          </a:xfrm>
+          <a:prstGeom prst="rect">
+            <a:avLst/>
+          </a:prstGeom>
+          <a:solidFill>
+            <a:schemeClr val="bg1">
+              <a:lumMod val="85000"/>
+            </a:schemeClr>
+          </a:solidFill>
+          <a:ln>
+            <a:noFill/>
+          </a:ln>
+        </p:spPr>
+        <p:style>
+          <a:lnRef idx="2">
+            <a:schemeClr val="accent1">
+              <a:shade val="50000"/>
+            </a:schemeClr>
+          </a:lnRef>
+          <a:fillRef idx="1">
+            <a:schemeClr val="accent1"/>
+          </a:fillRef>
+          <a:effectRef idx="0">
+            <a:schemeClr val="accent1"/>
+          </a:effectRef>
+          <a:fontRef idx="minor">
+            <a:schemeClr val="lt1"/>
+          </a:fontRef>
+        </p:style>
+        <p:txBody>
+          <a:bodyPr rtlCol="0" anchor="ctr"/>
+          <a:lstStyle/>
+          <a:p>
+            <a:pPr algn="ctr"/>
+            <a:endParaRPr lang="en-US"/>
+          </a:p>
+        </p:txBody>
+      </p:sp>
+      <p:sp>
+        <p:nvSpPr>
+          <p:cNvPr id="5" name="Pfeil nach links und rechts 4"/>
+          <p:cNvSpPr/>
+          <p:nvPr/>
+        </p:nvSpPr>
+        <p:spPr>
+          <a:xfrm>
+            <a:off x="5061138" y="1444134"/>
+            <a:ext cx="2304256" cy="921785"/>
+          </a:xfrm>
+          <a:prstGeom prst="leftRightArrow">
+            <a:avLst>
+              <a:gd name="adj1" fmla="val 74048"/>
+              <a:gd name="adj2" fmla="val 28958"/>
+            </a:avLst>
+          </a:prstGeom>
+          <a:solidFill>
+            <a:srgbClr val="C00000"/>
+          </a:solidFill>
+          <a:ln>
+            <a:noFill/>
+          </a:ln>
+        </p:spPr>
+        <p:style>
+          <a:lnRef idx="2">
+            <a:schemeClr val="accent1">
+              <a:shade val="50000"/>
+            </a:schemeClr>
+          </a:lnRef>
+          <a:fillRef idx="1">
+            <a:schemeClr val="accent1"/>
+          </a:fillRef>
+          <a:effectRef idx="0">
+            <a:schemeClr val="accent1"/>
+          </a:effectRef>
+          <a:fontRef idx="minor">
+            <a:schemeClr val="lt1"/>
+          </a:fontRef>
+        </p:style>
+        <p:txBody>
+          <a:bodyPr rtlCol="0" anchor="ctr"/>
+          <a:lstStyle/>
+          <a:p>
+            <a:pPr algn="ctr"/>
+            <a:endParaRPr lang="en-US"/>
+          </a:p>
+        </p:txBody>
+      </p:sp>
+      <p:sp>
+        <p:nvSpPr>
+          <p:cNvPr id="6" name="Pfeil nach rechts 5"/>
+          <p:cNvSpPr/>
+          <p:nvPr/>
+        </p:nvSpPr>
+        <p:spPr>
+          <a:xfrm>
+            <a:off x="7428164" y="1537827"/>
+            <a:ext cx="1152128" cy="720080"/>
+          </a:xfrm>
+          <a:prstGeom prst="rightArrow">
+            <a:avLst/>
+          </a:prstGeom>
+          <a:solidFill>
+            <a:srgbClr val="C00000"/>
+          </a:solidFill>
+          <a:ln>
+            <a:noFill/>
+          </a:ln>
+        </p:spPr>
+        <p:style>
+          <a:lnRef idx="2">
+            <a:schemeClr val="accent1">
+              <a:shade val="50000"/>
+            </a:schemeClr>
+          </a:lnRef>
+          <a:fillRef idx="1">
+            <a:schemeClr val="accent1"/>
+          </a:fillRef>
+          <a:effectRef idx="0">
+            <a:schemeClr val="accent1"/>
+          </a:effectRef>
+          <a:fontRef idx="minor">
+            <a:schemeClr val="lt1"/>
+          </a:fontRef>
+        </p:style>
+        <p:txBody>
+          <a:bodyPr rtlCol="0" anchor="ctr"/>
+          <a:lstStyle/>
+          <a:p>
+            <a:pPr algn="ctr"/>
+            <a:endParaRPr lang="en-US"/>
+          </a:p>
+        </p:txBody>
+      </p:sp>
+      <p:cxnSp>
+        <p:nvCxnSpPr>
+          <p:cNvPr id="36" name="Gerade Verbindung 35"/>
+          <p:cNvCxnSpPr/>
+          <p:nvPr/>
+        </p:nvCxnSpPr>
+        <p:spPr>
+          <a:xfrm>
+            <a:off x="1947187" y="2138861"/>
+            <a:ext cx="2401660" cy="0"/>
+          </a:xfrm>
+          <a:prstGeom prst="line">
+            <a:avLst/>
+          </a:prstGeom>
+          <a:ln w="19050">
+            <a:solidFill>
+              <a:schemeClr val="tx1"/>
+            </a:solidFill>
+          </a:ln>
+        </p:spPr>
+        <p:style>
+          <a:lnRef idx="1">
+            <a:schemeClr val="accent1"/>
+          </a:lnRef>
+          <a:fillRef idx="0">
+            <a:schemeClr val="accent1"/>
+          </a:fillRef>
+          <a:effectRef idx="0">
+            <a:schemeClr val="accent1"/>
+          </a:effectRef>
+          <a:fontRef idx="minor">
+            <a:schemeClr val="tx1"/>
+          </a:fontRef>
+        </p:style>
+      </p:cxnSp>
+      <p:cxnSp>
+        <p:nvCxnSpPr>
+          <p:cNvPr id="38" name="Gerade Verbindung 37"/>
+          <p:cNvCxnSpPr/>
+          <p:nvPr/>
+        </p:nvCxnSpPr>
+        <p:spPr>
+          <a:xfrm>
+            <a:off x="1947187" y="3372233"/>
+            <a:ext cx="2401660" cy="0"/>
+          </a:xfrm>
+          <a:prstGeom prst="line">
+            <a:avLst/>
+          </a:prstGeom>
+          <a:ln w="19050">
+            <a:solidFill>
+              <a:schemeClr val="tx1"/>
+            </a:solidFill>
+          </a:ln>
+        </p:spPr>
+        <p:style>
+          <a:lnRef idx="1">
+            <a:schemeClr val="accent1"/>
+          </a:lnRef>
+          <a:fillRef idx="0">
+            <a:schemeClr val="accent1"/>
+          </a:fillRef>
+          <a:effectRef idx="0">
+            <a:schemeClr val="accent1"/>
+          </a:effectRef>
+          <a:fontRef idx="minor">
+            <a:schemeClr val="tx1"/>
+          </a:fontRef>
+        </p:style>
+      </p:cxnSp>
+      <p:cxnSp>
+        <p:nvCxnSpPr>
+          <p:cNvPr id="42" name="Gerade Verbindung mit Pfeil 41"/>
+          <p:cNvCxnSpPr/>
+          <p:nvPr/>
+        </p:nvCxnSpPr>
+        <p:spPr>
+          <a:xfrm flipV="1">
+            <a:off x="3494972" y="2138861"/>
+            <a:ext cx="0" cy="1224136"/>
+          </a:xfrm>
+          <a:prstGeom prst="straightConnector1">
+            <a:avLst/>
+          </a:prstGeom>
+          <a:ln w="12700">
+            <a:solidFill>
+              <a:schemeClr val="tx1"/>
+            </a:solidFill>
+            <a:headEnd type="arrow"/>
+            <a:tailEnd type="none"/>
+          </a:ln>
+        </p:spPr>
+        <p:style>
+          <a:lnRef idx="1">
+            <a:schemeClr val="accent1"/>
+          </a:lnRef>
+          <a:fillRef idx="0">
+            <a:schemeClr val="accent1"/>
+          </a:fillRef>
+          <a:effectRef idx="0">
+            <a:schemeClr val="accent1"/>
+          </a:effectRef>
+          <a:fontRef idx="minor">
+            <a:schemeClr val="tx1"/>
+          </a:fontRef>
+        </p:style>
+      </p:cxnSp>
+      <p:sp>
+        <p:nvSpPr>
+          <p:cNvPr id="50" name="Pfeil nach rechts 49"/>
+          <p:cNvSpPr/>
+          <p:nvPr/>
+        </p:nvSpPr>
+        <p:spPr>
+          <a:xfrm rot="16200000">
+            <a:off x="1798146" y="2468480"/>
+            <a:ext cx="1224136" cy="564898"/>
+          </a:xfrm>
+          <a:prstGeom prst="rightArrow">
+            <a:avLst/>
+          </a:prstGeom>
+          <a:solidFill>
+            <a:srgbClr val="525252"/>
+          </a:solidFill>
+          <a:ln>
+            <a:noFill/>
+          </a:ln>
+        </p:spPr>
+        <p:style>
+          <a:lnRef idx="2">
+            <a:schemeClr val="accent1">
+              <a:shade val="50000"/>
+            </a:schemeClr>
+          </a:lnRef>
+          <a:fillRef idx="1">
+            <a:schemeClr val="accent1"/>
+          </a:fillRef>
+          <a:effectRef idx="0">
+            <a:schemeClr val="accent1"/>
+          </a:effectRef>
+          <a:fontRef idx="minor">
+            <a:schemeClr val="lt1"/>
+          </a:fontRef>
+        </p:style>
+        <p:txBody>
+          <a:bodyPr rtlCol="0" anchor="ctr"/>
+          <a:lstStyle/>
+          <a:p>
+            <a:pPr algn="ctr"/>
+            <a:endParaRPr lang="en-US"/>
+          </a:p>
+        </p:txBody>
+      </p:sp>
+      <p:sp>
+        <p:nvSpPr>
+          <p:cNvPr id="51" name="Pfeil nach rechts 50"/>
+          <p:cNvSpPr/>
+          <p:nvPr/>
+        </p:nvSpPr>
+        <p:spPr>
+          <a:xfrm>
+            <a:off x="2990916" y="2566541"/>
+            <a:ext cx="504056" cy="180020"/>
+          </a:xfrm>
+          <a:prstGeom prst="rightArrow">
+            <a:avLst/>
+          </a:prstGeom>
+          <a:solidFill>
+            <a:srgbClr val="C00000"/>
+          </a:solidFill>
+          <a:ln>
+            <a:noFill/>
+          </a:ln>
+        </p:spPr>
+        <p:style>
+          <a:lnRef idx="2">
+            <a:schemeClr val="accent1">
+              <a:shade val="50000"/>
+            </a:schemeClr>
+          </a:lnRef>
+          <a:fillRef idx="1">
+            <a:schemeClr val="accent1"/>
+          </a:fillRef>
+          <a:effectRef idx="0">
+            <a:schemeClr val="accent1"/>
+          </a:effectRef>
+          <a:fontRef idx="minor">
+            <a:schemeClr val="lt1"/>
+          </a:fontRef>
+        </p:style>
+        <p:txBody>
+          <a:bodyPr rtlCol="0" anchor="ctr"/>
+          <a:lstStyle/>
+          <a:p>
+            <a:pPr algn="ctr"/>
+            <a:endParaRPr lang="en-US"/>
+          </a:p>
+        </p:txBody>
+      </p:sp>
+      <p:sp>
+        <p:nvSpPr>
+          <p:cNvPr id="53" name="Textfeld 52"/>
+          <p:cNvSpPr txBox="1"/>
+          <p:nvPr/>
+        </p:nvSpPr>
+        <p:spPr>
+          <a:xfrm>
+            <a:off x="3038881" y="2313934"/>
+            <a:ext cx="372218" cy="307777"/>
+          </a:xfrm>
+          <a:prstGeom prst="rect">
+            <a:avLst/>
+          </a:prstGeom>
+          <a:noFill/>
+        </p:spPr>
+        <p:txBody>
+          <a:bodyPr wrap="none" rtlCol="0">
+            <a:spAutoFit/>
+          </a:bodyPr>
+          <a:lstStyle/>
+          <a:p>
+            <a:r>
+              <a:rPr lang="de-DE" sz="1400" dirty="0" err="1" smtClean="0"/>
+              <a:t>h</a:t>
+            </a:r>
+            <a:r>
+              <a:rPr lang="de-DE" sz="1400" dirty="0" err="1" smtClean="0">
+                <a:latin typeface="Symbol" pitchFamily="18" charset="2"/>
+              </a:rPr>
+              <a:t>n</a:t>
+            </a:r>
+            <a:endParaRPr lang="en-US" sz="1400" dirty="0">
+              <a:latin typeface="Symbol" pitchFamily="18" charset="2"/>
+            </a:endParaRPr>
+          </a:p>
+        </p:txBody>
+      </p:sp>
+      <p:sp>
+        <p:nvSpPr>
+          <p:cNvPr id="55" name="Pfeil nach rechts 54"/>
+          <p:cNvSpPr/>
+          <p:nvPr/>
+        </p:nvSpPr>
+        <p:spPr>
+          <a:xfrm>
+            <a:off x="3510670" y="2469937"/>
+            <a:ext cx="504056" cy="373228"/>
+          </a:xfrm>
+          <a:prstGeom prst="rightArrow">
+            <a:avLst/>
+          </a:prstGeom>
+          <a:solidFill>
+            <a:srgbClr val="C00000"/>
+          </a:solidFill>
+          <a:ln>
+            <a:noFill/>
+          </a:ln>
+        </p:spPr>
+        <p:style>
+          <a:lnRef idx="2">
+            <a:schemeClr val="accent1">
+              <a:shade val="50000"/>
+            </a:schemeClr>
+          </a:lnRef>
+          <a:fillRef idx="1">
+            <a:schemeClr val="accent1"/>
+          </a:fillRef>
+          <a:effectRef idx="0">
+            <a:schemeClr val="accent1"/>
+          </a:effectRef>
+          <a:fontRef idx="minor">
+            <a:schemeClr val="lt1"/>
+          </a:fontRef>
+        </p:style>
+        <p:txBody>
+          <a:bodyPr rtlCol="0" anchor="ctr"/>
+          <a:lstStyle/>
+          <a:p>
+            <a:pPr algn="ctr"/>
+            <a:endParaRPr lang="en-US"/>
+          </a:p>
+        </p:txBody>
+      </p:sp>
+      <p:sp>
+        <p:nvSpPr>
+          <p:cNvPr id="56" name="Textfeld 55"/>
+          <p:cNvSpPr txBox="1"/>
+          <p:nvPr/>
+        </p:nvSpPr>
+        <p:spPr>
+          <a:xfrm>
+            <a:off x="3537187" y="2234168"/>
+            <a:ext cx="463588" cy="307777"/>
+          </a:xfrm>
+          <a:prstGeom prst="rect">
+            <a:avLst/>
+          </a:prstGeom>
+          <a:noFill/>
+        </p:spPr>
+        <p:txBody>
+          <a:bodyPr wrap="none" rtlCol="0">
+            <a:spAutoFit/>
+          </a:bodyPr>
+          <a:lstStyle/>
+          <a:p>
+            <a:r>
+              <a:rPr lang="de-DE" sz="1400" dirty="0" smtClean="0"/>
+              <a:t>2h</a:t>
+            </a:r>
+            <a:r>
+              <a:rPr lang="de-DE" sz="1400" dirty="0" smtClean="0">
+                <a:latin typeface="Symbol" pitchFamily="18" charset="2"/>
+              </a:rPr>
+              <a:t>n</a:t>
+            </a:r>
+            <a:endParaRPr lang="en-US" sz="1400" dirty="0">
+              <a:latin typeface="Symbol" pitchFamily="18" charset="2"/>
+            </a:endParaRPr>
+          </a:p>
+        </p:txBody>
+      </p:sp>
+      <p:sp>
+        <p:nvSpPr>
+          <p:cNvPr id="58" name="Textfeld 57"/>
+          <p:cNvSpPr txBox="1"/>
+          <p:nvPr/>
+        </p:nvSpPr>
+        <p:spPr>
+          <a:xfrm>
+            <a:off x="1719153" y="1984972"/>
+            <a:ext cx="333746" cy="307777"/>
+          </a:xfrm>
+          <a:prstGeom prst="rect">
+            <a:avLst/>
+          </a:prstGeom>
+          <a:noFill/>
+        </p:spPr>
+        <p:txBody>
+          <a:bodyPr wrap="none" rtlCol="0">
+            <a:spAutoFit/>
+          </a:bodyPr>
+          <a:lstStyle/>
+          <a:p>
+            <a:r>
+              <a:rPr lang="de-DE" sz="1400" dirty="0" smtClean="0"/>
+              <a:t>E</a:t>
+            </a:r>
+            <a:r>
+              <a:rPr lang="de-DE" sz="1400" baseline="-25000" dirty="0" smtClean="0"/>
+              <a:t>2</a:t>
+            </a:r>
+            <a:endParaRPr lang="en-US" sz="1400" baseline="-25000" dirty="0">
+              <a:latin typeface="Symbol" pitchFamily="18" charset="2"/>
+            </a:endParaRPr>
+          </a:p>
+        </p:txBody>
+      </p:sp>
+      <p:sp>
+        <p:nvSpPr>
+          <p:cNvPr id="59" name="Textfeld 58"/>
+          <p:cNvSpPr txBox="1"/>
+          <p:nvPr/>
+        </p:nvSpPr>
+        <p:spPr>
+          <a:xfrm>
+            <a:off x="1719536" y="3209108"/>
+            <a:ext cx="333746" cy="307777"/>
+          </a:xfrm>
+          <a:prstGeom prst="rect">
+            <a:avLst/>
+          </a:prstGeom>
+          <a:noFill/>
+        </p:spPr>
+        <p:txBody>
+          <a:bodyPr wrap="none" rtlCol="0">
+            <a:spAutoFit/>
+          </a:bodyPr>
+          <a:lstStyle/>
+          <a:p>
+            <a:r>
+              <a:rPr lang="de-DE" sz="1400" dirty="0" smtClean="0"/>
+              <a:t>E</a:t>
+            </a:r>
+            <a:r>
+              <a:rPr lang="de-DE" sz="1400" baseline="-25000" dirty="0" smtClean="0"/>
+              <a:t>1</a:t>
+            </a:r>
+            <a:endParaRPr lang="en-US" sz="1400" baseline="-25000" dirty="0">
+              <a:latin typeface="Symbol" pitchFamily="18" charset="2"/>
+            </a:endParaRPr>
+          </a:p>
+        </p:txBody>
+      </p:sp>
+      <p:sp>
+        <p:nvSpPr>
+          <p:cNvPr id="61" name="Textfeld 60"/>
+          <p:cNvSpPr txBox="1"/>
+          <p:nvPr/>
+        </p:nvSpPr>
+        <p:spPr>
+          <a:xfrm>
+            <a:off x="3146960" y="1765633"/>
+            <a:ext cx="734496" cy="307777"/>
+          </a:xfrm>
+          <a:prstGeom prst="rect">
+            <a:avLst/>
+          </a:prstGeom>
+          <a:noFill/>
+        </p:spPr>
+        <p:txBody>
+          <a:bodyPr wrap="none" rtlCol="0">
+            <a:spAutoFit/>
+          </a:bodyPr>
+          <a:lstStyle/>
+          <a:p>
+            <a:r>
+              <a:rPr lang="de-DE" sz="1400" dirty="0" smtClean="0"/>
+              <a:t>w(</a:t>
+            </a:r>
+            <a:r>
+              <a:rPr lang="de-DE" sz="1400" dirty="0" smtClean="0">
+                <a:latin typeface="Symbol" pitchFamily="18" charset="2"/>
+              </a:rPr>
+              <a:t>n</a:t>
+            </a:r>
+            <a:r>
+              <a:rPr lang="de-DE" sz="1400" dirty="0" smtClean="0"/>
+              <a:t>)B</a:t>
+            </a:r>
+            <a:r>
+              <a:rPr lang="de-DE" sz="1400" baseline="-25000" dirty="0" smtClean="0"/>
+              <a:t>21</a:t>
+            </a:r>
+            <a:endParaRPr lang="en-US" sz="1400" baseline="-25000" dirty="0">
+              <a:latin typeface="Symbol" pitchFamily="18" charset="2"/>
+            </a:endParaRPr>
+          </a:p>
+        </p:txBody>
+      </p:sp>
+      <p:sp>
+        <p:nvSpPr>
+          <p:cNvPr id="9" name="Ellipse 8"/>
+          <p:cNvSpPr/>
+          <p:nvPr/>
+        </p:nvSpPr>
+        <p:spPr>
+          <a:xfrm>
+            <a:off x="5849571" y="1681843"/>
+            <a:ext cx="814776" cy="432048"/>
+          </a:xfrm>
+          <a:prstGeom prst="ellipse">
+            <a:avLst/>
+          </a:prstGeom>
+          <a:noFill/>
+          <a:ln w="12700">
+            <a:solidFill>
+              <a:schemeClr val="tx1"/>
+            </a:solidFill>
+          </a:ln>
+        </p:spPr>
+        <p:style>
+          <a:lnRef idx="2">
+            <a:schemeClr val="accent1">
+              <a:shade val="50000"/>
+            </a:schemeClr>
+          </a:lnRef>
+          <a:fillRef idx="1">
+            <a:schemeClr val="accent1"/>
+          </a:fillRef>
+          <a:effectRef idx="0">
+            <a:schemeClr val="accent1"/>
+          </a:effectRef>
+          <a:fontRef idx="minor">
+            <a:schemeClr val="lt1"/>
+          </a:fontRef>
+        </p:style>
+        <p:txBody>
+          <a:bodyPr rtlCol="0" anchor="ctr"/>
+          <a:lstStyle/>
+          <a:p>
+            <a:pPr algn="ctr"/>
+            <a:endParaRPr lang="en-US"/>
+          </a:p>
+        </p:txBody>
+      </p:sp>
+      <p:sp>
+        <p:nvSpPr>
+          <p:cNvPr id="63" name="Ellipse 62"/>
+          <p:cNvSpPr/>
+          <p:nvPr/>
+        </p:nvSpPr>
+        <p:spPr>
+          <a:xfrm>
+            <a:off x="1195450" y="1738449"/>
+            <a:ext cx="3683136" cy="2044535"/>
+          </a:xfrm>
+          <a:prstGeom prst="ellipse">
+            <a:avLst/>
+          </a:prstGeom>
+          <a:noFill/>
+          <a:ln w="12700">
+            <a:solidFill>
+              <a:schemeClr val="tx1"/>
+            </a:solidFill>
+          </a:ln>
+        </p:spPr>
+        <p:style>
+          <a:lnRef idx="2">
+            <a:schemeClr val="accent1">
+              <a:shade val="50000"/>
+            </a:schemeClr>
+          </a:lnRef>
+          <a:fillRef idx="1">
+            <a:schemeClr val="accent1"/>
+          </a:fillRef>
+          <a:effectRef idx="0">
+            <a:schemeClr val="accent1"/>
+          </a:effectRef>
+          <a:fontRef idx="minor">
+            <a:schemeClr val="lt1"/>
+          </a:fontRef>
+        </p:style>
+        <p:txBody>
+          <a:bodyPr rtlCol="0" anchor="ctr"/>
+          <a:lstStyle/>
+          <a:p>
+            <a:pPr algn="ctr"/>
+            <a:endParaRPr lang="en-US"/>
+          </a:p>
+        </p:txBody>
+      </p:sp>
+      <p:cxnSp>
+        <p:nvCxnSpPr>
+          <p:cNvPr id="13" name="Gerade Verbindung 12"/>
+          <p:cNvCxnSpPr>
+            <a:stCxn id="9" idx="0"/>
+          </p:cNvCxnSpPr>
+          <p:nvPr/>
+        </p:nvCxnSpPr>
+        <p:spPr>
+          <a:xfrm flipH="1">
+            <a:off x="2915816" y="1681843"/>
+            <a:ext cx="3341143" cy="56606"/>
+          </a:xfrm>
+          <a:prstGeom prst="line">
+            <a:avLst/>
+          </a:prstGeom>
+          <a:ln w="12700">
+            <a:solidFill>
+              <a:schemeClr val="tx1"/>
+            </a:solidFill>
+          </a:ln>
+        </p:spPr>
+        <p:style>
+          <a:lnRef idx="1">
+            <a:schemeClr val="accent1"/>
+          </a:lnRef>
+          <a:fillRef idx="0">
+            <a:schemeClr val="accent1"/>
+          </a:fillRef>
+          <a:effectRef idx="0">
+            <a:schemeClr val="accent1"/>
+          </a:effectRef>
+          <a:fontRef idx="minor">
+            <a:schemeClr val="tx1"/>
+          </a:fontRef>
+        </p:style>
+      </p:cxnSp>
+      <p:cxnSp>
+        <p:nvCxnSpPr>
+          <p:cNvPr id="65" name="Gerade Verbindung 64"/>
+          <p:cNvCxnSpPr>
+            <a:stCxn id="9" idx="5"/>
+            <a:endCxn id="63" idx="5"/>
+          </p:cNvCxnSpPr>
+          <p:nvPr/>
+        </p:nvCxnSpPr>
+        <p:spPr>
+          <a:xfrm flipH="1">
+            <a:off x="4339203" y="2050619"/>
+            <a:ext cx="2205823" cy="1432950"/>
+          </a:xfrm>
+          <a:prstGeom prst="line">
+            <a:avLst/>
+          </a:prstGeom>
+          <a:ln w="12700">
+            <a:solidFill>
+              <a:schemeClr val="tx1"/>
+            </a:solidFill>
+          </a:ln>
+        </p:spPr>
+        <p:style>
+          <a:lnRef idx="1">
+            <a:schemeClr val="accent1"/>
+          </a:lnRef>
+          <a:fillRef idx="0">
+            <a:schemeClr val="accent1"/>
+          </a:fillRef>
+          <a:effectRef idx="0">
+            <a:schemeClr val="accent1"/>
+          </a:effectRef>
+          <a:fontRef idx="minor">
+            <a:schemeClr val="tx1"/>
+          </a:fontRef>
+        </p:style>
+      </p:cxnSp>
+      <p:sp>
+        <p:nvSpPr>
+          <p:cNvPr id="69" name="Rechteck 68"/>
+          <p:cNvSpPr/>
+          <p:nvPr/>
+        </p:nvSpPr>
+        <p:spPr>
+          <a:xfrm>
+            <a:off x="4686094" y="826983"/>
+            <a:ext cx="365806" cy="369332"/>
+          </a:xfrm>
+          <a:prstGeom prst="rect">
+            <a:avLst/>
+          </a:prstGeom>
+        </p:spPr>
+        <p:txBody>
+          <a:bodyPr wrap="none">
+            <a:spAutoFit/>
+          </a:bodyPr>
+          <a:lstStyle/>
+          <a:p>
+            <a:pPr algn="ctr"/>
+            <a:r>
+              <a:rPr lang="de-DE" dirty="0" smtClean="0"/>
+              <a:t>a)</a:t>
+            </a:r>
+            <a:endParaRPr lang="en-US" dirty="0"/>
+          </a:p>
+        </p:txBody>
+      </p:sp>
+      <p:cxnSp>
+        <p:nvCxnSpPr>
+          <p:cNvPr id="71" name="Gerade Verbindung 70"/>
+          <p:cNvCxnSpPr/>
+          <p:nvPr/>
+        </p:nvCxnSpPr>
+        <p:spPr>
+          <a:xfrm>
+            <a:off x="4878586" y="1135396"/>
+            <a:ext cx="147488" cy="391398"/>
+          </a:xfrm>
+          <a:prstGeom prst="line">
+            <a:avLst/>
+          </a:prstGeom>
+          <a:ln w="12700">
+            <a:solidFill>
+              <a:schemeClr val="tx1"/>
+            </a:solidFill>
+          </a:ln>
+        </p:spPr>
+        <p:style>
+          <a:lnRef idx="1">
+            <a:schemeClr val="accent1"/>
+          </a:lnRef>
+          <a:fillRef idx="0">
+            <a:schemeClr val="accent1"/>
+          </a:fillRef>
+          <a:effectRef idx="0">
+            <a:schemeClr val="accent1"/>
+          </a:effectRef>
+          <a:fontRef idx="minor">
+            <a:schemeClr val="tx1"/>
+          </a:fontRef>
+        </p:style>
+      </p:cxnSp>
+      <p:sp>
+        <p:nvSpPr>
+          <p:cNvPr id="74" name="Rechteck 73"/>
+          <p:cNvSpPr/>
+          <p:nvPr/>
+        </p:nvSpPr>
+        <p:spPr>
+          <a:xfrm>
+            <a:off x="5688766" y="718466"/>
+            <a:ext cx="377026" cy="369332"/>
+          </a:xfrm>
+          <a:prstGeom prst="rect">
+            <a:avLst/>
+          </a:prstGeom>
+        </p:spPr>
+        <p:txBody>
+          <a:bodyPr wrap="none">
+            <a:spAutoFit/>
+          </a:bodyPr>
+          <a:lstStyle/>
+          <a:p>
+            <a:pPr algn="ctr"/>
+            <a:r>
+              <a:rPr lang="de-DE" dirty="0" smtClean="0"/>
+              <a:t>b)</a:t>
+            </a:r>
+            <a:endParaRPr lang="en-US" dirty="0"/>
+          </a:p>
+        </p:txBody>
+      </p:sp>
+      <p:cxnSp>
+        <p:nvCxnSpPr>
+          <p:cNvPr id="75" name="Gerade Verbindung 74"/>
+          <p:cNvCxnSpPr/>
+          <p:nvPr/>
+        </p:nvCxnSpPr>
+        <p:spPr>
+          <a:xfrm>
+            <a:off x="5886868" y="1026879"/>
+            <a:ext cx="147488" cy="417255"/>
+          </a:xfrm>
+          <a:prstGeom prst="line">
+            <a:avLst/>
+          </a:prstGeom>
+          <a:ln w="12700">
+            <a:solidFill>
+              <a:schemeClr val="tx1"/>
+            </a:solidFill>
+          </a:ln>
+        </p:spPr>
+        <p:style>
+          <a:lnRef idx="1">
+            <a:schemeClr val="accent1"/>
+          </a:lnRef>
+          <a:fillRef idx="0">
+            <a:schemeClr val="accent1"/>
+          </a:fillRef>
+          <a:effectRef idx="0">
+            <a:schemeClr val="accent1"/>
+          </a:effectRef>
+          <a:fontRef idx="minor">
+            <a:schemeClr val="tx1"/>
+          </a:fontRef>
+        </p:style>
+      </p:cxnSp>
+      <p:sp>
+        <p:nvSpPr>
+          <p:cNvPr id="78" name="Rechteck 77"/>
+          <p:cNvSpPr/>
+          <p:nvPr/>
+        </p:nvSpPr>
+        <p:spPr>
+          <a:xfrm>
+            <a:off x="1947187" y="2643186"/>
+            <a:ext cx="352981" cy="369332"/>
+          </a:xfrm>
+          <a:prstGeom prst="rect">
+            <a:avLst/>
+          </a:prstGeom>
+        </p:spPr>
+        <p:txBody>
+          <a:bodyPr wrap="none">
+            <a:spAutoFit/>
+          </a:bodyPr>
+          <a:lstStyle/>
+          <a:p>
+            <a:pPr algn="ctr"/>
+            <a:r>
+              <a:rPr lang="de-DE" dirty="0" smtClean="0"/>
+              <a:t>c)</a:t>
+            </a:r>
+            <a:endParaRPr lang="en-US" dirty="0"/>
+          </a:p>
+        </p:txBody>
+      </p:sp>
+      <p:sp>
+        <p:nvSpPr>
+          <p:cNvPr id="82" name="Rechteck 81"/>
+          <p:cNvSpPr/>
+          <p:nvPr/>
+        </p:nvSpPr>
+        <p:spPr>
+          <a:xfrm>
+            <a:off x="3194504" y="2821399"/>
+            <a:ext cx="377027" cy="369332"/>
+          </a:xfrm>
+          <a:prstGeom prst="rect">
+            <a:avLst/>
+          </a:prstGeom>
+        </p:spPr>
+        <p:txBody>
+          <a:bodyPr wrap="none">
+            <a:spAutoFit/>
+          </a:bodyPr>
+          <a:lstStyle/>
+          <a:p>
+            <a:pPr algn="ctr"/>
+            <a:r>
+              <a:rPr lang="de-DE" dirty="0"/>
+              <a:t>d</a:t>
+            </a:r>
+            <a:r>
+              <a:rPr lang="de-DE" dirty="0" smtClean="0"/>
+              <a:t>)</a:t>
+            </a:r>
+            <a:endParaRPr lang="en-US" dirty="0"/>
+          </a:p>
+        </p:txBody>
+      </p:sp>
+      <p:sp>
+        <p:nvSpPr>
+          <p:cNvPr id="83" name="Rechteck 82"/>
+          <p:cNvSpPr/>
+          <p:nvPr/>
+        </p:nvSpPr>
+        <p:spPr>
+          <a:xfrm>
+            <a:off x="7756299" y="1713201"/>
+            <a:ext cx="377027" cy="369332"/>
+          </a:xfrm>
+          <a:prstGeom prst="rect">
+            <a:avLst/>
+          </a:prstGeom>
+        </p:spPr>
+        <p:txBody>
+          <a:bodyPr wrap="none">
+            <a:spAutoFit/>
+          </a:bodyPr>
+          <a:lstStyle/>
+          <a:p>
+            <a:pPr algn="ctr"/>
+            <a:r>
+              <a:rPr lang="de-DE" dirty="0" smtClean="0"/>
+              <a:t>e)</a:t>
+            </a:r>
+            <a:endParaRPr lang="en-US" dirty="0"/>
+          </a:p>
+        </p:txBody>
+      </p:sp>
+    </p:spTree>
+    <p:extLst>
+      <p:ext uri="{BB962C8B-B14F-4D97-AF65-F5344CB8AC3E}">
+        <p14:creationId xmlns:p14="http://schemas.microsoft.com/office/powerpoint/2010/main" val="1942865687"/>
+      </p:ext>
+    </p:extLst>
+  </p:cSld>
+  <p:clrMapOvr>
+    <a:masterClrMapping/>
+  </p:clrMapOvr>
+</p:sld>
+</file>
+
 <file path=ppt/theme/theme1.xml><?xml version="1.0" encoding="utf-8"?>
 <a:theme xmlns:a="http://schemas.openxmlformats.org/drawingml/2006/main" name="Larissa">
   <a:themeElements>

--- a/misc/zeichnungen.pptx
+++ b/misc/zeichnungen.pptx
@@ -5,13 +5,14 @@
     <p:sldMasterId id="2147483648" r:id="rId1"/>
   </p:sldMasterIdLst>
   <p:notesMasterIdLst>
-    <p:notesMasterId r:id="rId6"/>
+    <p:notesMasterId r:id="rId7"/>
   </p:notesMasterIdLst>
   <p:sldIdLst>
     <p:sldId id="256" r:id="rId2"/>
     <p:sldId id="257" r:id="rId3"/>
     <p:sldId id="258" r:id="rId4"/>
     <p:sldId id="259" r:id="rId5"/>
+    <p:sldId id="260" r:id="rId6"/>
   </p:sldIdLst>
   <p:sldSz cx="9144000" cy="6858000" type="screen4x3"/>
   <p:notesSz cx="6858000" cy="9144000"/>
@@ -195,7 +196,7 @@
           <a:p>
             <a:fld id="{F4F03C40-80E2-48B5-AD93-42720680308F}" type="datetimeFigureOut">
               <a:rPr lang="en-US" smtClean="0"/>
-              <a:t>12/2/2011</a:t>
+              <a:t>12/7/2011</a:t>
             </a:fld>
             <a:endParaRPr lang="en-US"/>
           </a:p>
@@ -547,6 +548,90 @@
 </p:notes>
 </file>
 
+<file path=ppt/notesSlides/notesSlide2.xml><?xml version="1.0" encoding="utf-8"?>
+<p:notes xmlns:a="http://schemas.openxmlformats.org/drawingml/2006/main" xmlns:r="http://schemas.openxmlformats.org/officeDocument/2006/relationships" xmlns:p="http://schemas.openxmlformats.org/presentationml/2006/main">
+  <p:cSld>
+    <p:spTree>
+      <p:nvGrpSpPr>
+        <p:cNvPr id="1" name=""/>
+        <p:cNvGrpSpPr/>
+        <p:nvPr/>
+      </p:nvGrpSpPr>
+      <p:grpSpPr>
+        <a:xfrm>
+          <a:off x="0" y="0"/>
+          <a:ext cx="0" cy="0"/>
+          <a:chOff x="0" y="0"/>
+          <a:chExt cx="0" cy="0"/>
+        </a:xfrm>
+      </p:grpSpPr>
+      <p:sp>
+        <p:nvSpPr>
+          <p:cNvPr id="2" name="Folienbildplatzhalter 1"/>
+          <p:cNvSpPr>
+            <a:spLocks noGrp="1" noRot="1" noChangeAspect="1"/>
+          </p:cNvSpPr>
+          <p:nvPr>
+            <p:ph type="sldImg"/>
+          </p:nvPr>
+        </p:nvSpPr>
+        <p:spPr/>
+      </p:sp>
+      <p:sp>
+        <p:nvSpPr>
+          <p:cNvPr id="3" name="Notizenplatzhalter 2"/>
+          <p:cNvSpPr>
+            <a:spLocks noGrp="1"/>
+          </p:cNvSpPr>
+          <p:nvPr>
+            <p:ph type="body" idx="1"/>
+          </p:nvPr>
+        </p:nvSpPr>
+        <p:spPr/>
+        <p:txBody>
+          <a:bodyPr/>
+          <a:lstStyle/>
+          <a:p>
+            <a:endParaRPr lang="en-US" dirty="0"/>
+          </a:p>
+        </p:txBody>
+      </p:sp>
+      <p:sp>
+        <p:nvSpPr>
+          <p:cNvPr id="4" name="Foliennummernplatzhalter 3"/>
+          <p:cNvSpPr>
+            <a:spLocks noGrp="1"/>
+          </p:cNvSpPr>
+          <p:nvPr>
+            <p:ph type="sldNum" sz="quarter" idx="10"/>
+          </p:nvPr>
+        </p:nvSpPr>
+        <p:spPr/>
+        <p:txBody>
+          <a:bodyPr/>
+          <a:lstStyle/>
+          <a:p>
+            <a:fld id="{DDD47192-C50D-437F-A2AC-BDDC6719BF88}" type="slidenum">
+              <a:rPr lang="en-US" smtClean="0"/>
+              <a:t>5</a:t>
+            </a:fld>
+            <a:endParaRPr lang="en-US"/>
+          </a:p>
+        </p:txBody>
+      </p:sp>
+    </p:spTree>
+    <p:extLst>
+      <p:ext uri="{BB962C8B-B14F-4D97-AF65-F5344CB8AC3E}">
+        <p14:creationId xmlns:p14="http://schemas.microsoft.com/office/powerpoint/2010/main" val="364000871"/>
+      </p:ext>
+    </p:extLst>
+  </p:cSld>
+  <p:clrMapOvr>
+    <a:masterClrMapping/>
+  </p:clrMapOvr>
+</p:notes>
+</file>
+
 <file path=ppt/slideLayouts/slideLayout1.xml><?xml version="1.0" encoding="utf-8"?>
 <p:sldLayout xmlns:a="http://schemas.openxmlformats.org/drawingml/2006/main" xmlns:r="http://schemas.openxmlformats.org/officeDocument/2006/relationships" xmlns:p="http://schemas.openxmlformats.org/presentationml/2006/main" type="title" preserve="1">
   <p:cSld name="Titelfolie">
@@ -728,7 +813,7 @@
           <a:p>
             <a:fld id="{3E8D215E-9EDC-45B6-82BD-AACBA5328147}" type="datetimeFigureOut">
               <a:rPr lang="en-US" smtClean="0"/>
-              <a:t>12/2/2011</a:t>
+              <a:t>12/7/2011</a:t>
             </a:fld>
             <a:endParaRPr lang="en-US"/>
           </a:p>
@@ -898,7 +983,7 @@
           <a:p>
             <a:fld id="{3E8D215E-9EDC-45B6-82BD-AACBA5328147}" type="datetimeFigureOut">
               <a:rPr lang="en-US" smtClean="0"/>
-              <a:t>12/2/2011</a:t>
+              <a:t>12/7/2011</a:t>
             </a:fld>
             <a:endParaRPr lang="en-US"/>
           </a:p>
@@ -1078,7 +1163,7 @@
           <a:p>
             <a:fld id="{3E8D215E-9EDC-45B6-82BD-AACBA5328147}" type="datetimeFigureOut">
               <a:rPr lang="en-US" smtClean="0"/>
-              <a:t>12/2/2011</a:t>
+              <a:t>12/7/2011</a:t>
             </a:fld>
             <a:endParaRPr lang="en-US"/>
           </a:p>
@@ -1248,7 +1333,7 @@
           <a:p>
             <a:fld id="{3E8D215E-9EDC-45B6-82BD-AACBA5328147}" type="datetimeFigureOut">
               <a:rPr lang="en-US" smtClean="0"/>
-              <a:t>12/2/2011</a:t>
+              <a:t>12/7/2011</a:t>
             </a:fld>
             <a:endParaRPr lang="en-US"/>
           </a:p>
@@ -1494,7 +1579,7 @@
           <a:p>
             <a:fld id="{3E8D215E-9EDC-45B6-82BD-AACBA5328147}" type="datetimeFigureOut">
               <a:rPr lang="en-US" smtClean="0"/>
-              <a:t>12/2/2011</a:t>
+              <a:t>12/7/2011</a:t>
             </a:fld>
             <a:endParaRPr lang="en-US"/>
           </a:p>
@@ -1782,7 +1867,7 @@
           <a:p>
             <a:fld id="{3E8D215E-9EDC-45B6-82BD-AACBA5328147}" type="datetimeFigureOut">
               <a:rPr lang="en-US" smtClean="0"/>
-              <a:t>12/2/2011</a:t>
+              <a:t>12/7/2011</a:t>
             </a:fld>
             <a:endParaRPr lang="en-US"/>
           </a:p>
@@ -2204,7 +2289,7 @@
           <a:p>
             <a:fld id="{3E8D215E-9EDC-45B6-82BD-AACBA5328147}" type="datetimeFigureOut">
               <a:rPr lang="en-US" smtClean="0"/>
-              <a:t>12/2/2011</a:t>
+              <a:t>12/7/2011</a:t>
             </a:fld>
             <a:endParaRPr lang="en-US"/>
           </a:p>
@@ -2322,7 +2407,7 @@
           <a:p>
             <a:fld id="{3E8D215E-9EDC-45B6-82BD-AACBA5328147}" type="datetimeFigureOut">
               <a:rPr lang="en-US" smtClean="0"/>
-              <a:t>12/2/2011</a:t>
+              <a:t>12/7/2011</a:t>
             </a:fld>
             <a:endParaRPr lang="en-US"/>
           </a:p>
@@ -2417,7 +2502,7 @@
           <a:p>
             <a:fld id="{3E8D215E-9EDC-45B6-82BD-AACBA5328147}" type="datetimeFigureOut">
               <a:rPr lang="en-US" smtClean="0"/>
-              <a:t>12/2/2011</a:t>
+              <a:t>12/7/2011</a:t>
             </a:fld>
             <a:endParaRPr lang="en-US"/>
           </a:p>
@@ -2694,7 +2779,7 @@
           <a:p>
             <a:fld id="{3E8D215E-9EDC-45B6-82BD-AACBA5328147}" type="datetimeFigureOut">
               <a:rPr lang="en-US" smtClean="0"/>
-              <a:t>12/2/2011</a:t>
+              <a:t>12/7/2011</a:t>
             </a:fld>
             <a:endParaRPr lang="en-US"/>
           </a:p>
@@ -2947,7 +3032,7 @@
           <a:p>
             <a:fld id="{3E8D215E-9EDC-45B6-82BD-AACBA5328147}" type="datetimeFigureOut">
               <a:rPr lang="en-US" smtClean="0"/>
-              <a:t>12/2/2011</a:t>
+              <a:t>12/7/2011</a:t>
             </a:fld>
             <a:endParaRPr lang="en-US"/>
           </a:p>
@@ -3160,7 +3245,7 @@
           <a:p>
             <a:fld id="{3E8D215E-9EDC-45B6-82BD-AACBA5328147}" type="datetimeFigureOut">
               <a:rPr lang="en-US" smtClean="0"/>
-              <a:t>12/2/2011</a:t>
+              <a:t>12/7/2011</a:t>
             </a:fld>
             <a:endParaRPr lang="en-US"/>
           </a:p>
@@ -6411,6 +6496,13 @@
   <p:clrMapOvr>
     <a:masterClrMapping/>
   </p:clrMapOvr>
+  <p:timing>
+    <p:tnLst>
+      <p:par>
+        <p:cTn id="1" dur="indefinite" restart="never" nodeType="tmRoot"/>
+      </p:par>
+    </p:tnLst>
+  </p:timing>
 </p:sld>
 </file>
 
@@ -16977,6 +17069,1199 @@
   <p:clrMapOvr>
     <a:masterClrMapping/>
   </p:clrMapOvr>
+  <p:timing>
+    <p:tnLst>
+      <p:par>
+        <p:cTn id="1" dur="indefinite" restart="never" nodeType="tmRoot"/>
+      </p:par>
+    </p:tnLst>
+  </p:timing>
+</p:sld>
+</file>
+
+<file path=ppt/slides/slide5.xml><?xml version="1.0" encoding="utf-8"?>
+<p:sld xmlns:a="http://schemas.openxmlformats.org/drawingml/2006/main" xmlns:r="http://schemas.openxmlformats.org/officeDocument/2006/relationships" xmlns:p="http://schemas.openxmlformats.org/presentationml/2006/main">
+  <p:cSld>
+    <p:spTree>
+      <p:nvGrpSpPr>
+        <p:cNvPr id="1" name=""/>
+        <p:cNvGrpSpPr/>
+        <p:nvPr/>
+      </p:nvGrpSpPr>
+      <p:grpSpPr>
+        <a:xfrm>
+          <a:off x="0" y="0"/>
+          <a:ext cx="0" cy="0"/>
+          <a:chOff x="0" y="0"/>
+          <a:chExt cx="0" cy="0"/>
+        </a:xfrm>
+      </p:grpSpPr>
+      <p:sp>
+        <p:nvSpPr>
+          <p:cNvPr id="356" name="Rechteck 355"/>
+          <p:cNvSpPr/>
+          <p:nvPr/>
+        </p:nvSpPr>
+        <p:spPr>
+          <a:xfrm rot="17731773">
+            <a:off x="2768661" y="2251254"/>
+            <a:ext cx="3276000" cy="208800"/>
+          </a:xfrm>
+          <a:prstGeom prst="rect">
+            <a:avLst/>
+          </a:prstGeom>
+          <a:solidFill>
+            <a:schemeClr val="accent2">
+              <a:lumMod val="60000"/>
+              <a:lumOff val="40000"/>
+              <a:alpha val="50000"/>
+            </a:schemeClr>
+          </a:solidFill>
+          <a:ln w="12700">
+            <a:solidFill>
+              <a:schemeClr val="accent2">
+                <a:lumMod val="75000"/>
+              </a:schemeClr>
+            </a:solidFill>
+          </a:ln>
+        </p:spPr>
+        <p:style>
+          <a:lnRef idx="2">
+            <a:schemeClr val="accent1">
+              <a:shade val="50000"/>
+            </a:schemeClr>
+          </a:lnRef>
+          <a:fillRef idx="1">
+            <a:schemeClr val="accent1"/>
+          </a:fillRef>
+          <a:effectRef idx="0">
+            <a:schemeClr val="accent1"/>
+          </a:effectRef>
+          <a:fontRef idx="minor">
+            <a:schemeClr val="lt1"/>
+          </a:fontRef>
+        </p:style>
+        <p:txBody>
+          <a:bodyPr rtlCol="0" anchor="ctr"/>
+          <a:lstStyle/>
+          <a:p>
+            <a:pPr algn="ctr"/>
+            <a:endParaRPr lang="en-US"/>
+          </a:p>
+        </p:txBody>
+      </p:sp>
+      <p:sp>
+        <p:nvSpPr>
+          <p:cNvPr id="3" name="Rechteck 2"/>
+          <p:cNvSpPr/>
+          <p:nvPr/>
+        </p:nvSpPr>
+        <p:spPr>
+          <a:xfrm>
+            <a:off x="899592" y="836712"/>
+            <a:ext cx="792088" cy="216024"/>
+          </a:xfrm>
+          <a:prstGeom prst="rect">
+            <a:avLst/>
+          </a:prstGeom>
+          <a:solidFill>
+            <a:srgbClr val="C00000"/>
+          </a:solidFill>
+          <a:ln w="12700">
+            <a:solidFill>
+              <a:schemeClr val="tx1"/>
+            </a:solidFill>
+          </a:ln>
+        </p:spPr>
+        <p:style>
+          <a:lnRef idx="2">
+            <a:schemeClr val="accent1">
+              <a:shade val="50000"/>
+            </a:schemeClr>
+          </a:lnRef>
+          <a:fillRef idx="1">
+            <a:schemeClr val="accent1"/>
+          </a:fillRef>
+          <a:effectRef idx="0">
+            <a:schemeClr val="accent1"/>
+          </a:effectRef>
+          <a:fontRef idx="minor">
+            <a:schemeClr val="lt1"/>
+          </a:fontRef>
+        </p:style>
+        <p:txBody>
+          <a:bodyPr rtlCol="0" anchor="ctr"/>
+          <a:lstStyle/>
+          <a:p>
+            <a:pPr algn="ctr"/>
+            <a:endParaRPr lang="en-US"/>
+          </a:p>
+        </p:txBody>
+      </p:sp>
+      <p:sp>
+        <p:nvSpPr>
+          <p:cNvPr id="32" name="Gleichschenkliges Dreieck 31"/>
+          <p:cNvSpPr/>
+          <p:nvPr/>
+        </p:nvSpPr>
+        <p:spPr>
+          <a:xfrm rot="16200000">
+            <a:off x="1700596" y="835763"/>
+            <a:ext cx="210280" cy="203936"/>
+          </a:xfrm>
+          <a:prstGeom prst="triangle">
+            <a:avLst/>
+          </a:prstGeom>
+          <a:solidFill>
+            <a:schemeClr val="accent2">
+              <a:lumMod val="60000"/>
+              <a:lumOff val="40000"/>
+              <a:alpha val="0"/>
+            </a:schemeClr>
+          </a:solidFill>
+          <a:ln w="12700">
+            <a:solidFill>
+              <a:schemeClr val="accent2">
+                <a:lumMod val="75000"/>
+              </a:schemeClr>
+            </a:solidFill>
+          </a:ln>
+        </p:spPr>
+        <p:style>
+          <a:lnRef idx="2">
+            <a:schemeClr val="accent1">
+              <a:shade val="50000"/>
+            </a:schemeClr>
+          </a:lnRef>
+          <a:fillRef idx="1">
+            <a:schemeClr val="accent1"/>
+          </a:fillRef>
+          <a:effectRef idx="0">
+            <a:schemeClr val="accent1"/>
+          </a:effectRef>
+          <a:fontRef idx="minor">
+            <a:schemeClr val="lt1"/>
+          </a:fontRef>
+        </p:style>
+        <p:txBody>
+          <a:bodyPr rtlCol="0" anchor="ctr"/>
+          <a:lstStyle/>
+          <a:p>
+            <a:pPr algn="ctr"/>
+            <a:endParaRPr lang="en-US"/>
+          </a:p>
+        </p:txBody>
+      </p:sp>
+      <p:sp>
+        <p:nvSpPr>
+          <p:cNvPr id="352" name="Rechteck 351"/>
+          <p:cNvSpPr/>
+          <p:nvPr/>
+        </p:nvSpPr>
+        <p:spPr>
+          <a:xfrm>
+            <a:off x="1911840" y="834598"/>
+            <a:ext cx="3276000" cy="208800"/>
+          </a:xfrm>
+          <a:prstGeom prst="rect">
+            <a:avLst/>
+          </a:prstGeom>
+          <a:solidFill>
+            <a:schemeClr val="accent2">
+              <a:lumMod val="60000"/>
+              <a:lumOff val="40000"/>
+              <a:alpha val="60000"/>
+            </a:schemeClr>
+          </a:solidFill>
+          <a:ln w="12700">
+            <a:solidFill>
+              <a:schemeClr val="accent2">
+                <a:lumMod val="75000"/>
+              </a:schemeClr>
+            </a:solidFill>
+          </a:ln>
+        </p:spPr>
+        <p:style>
+          <a:lnRef idx="2">
+            <a:schemeClr val="accent1">
+              <a:shade val="50000"/>
+            </a:schemeClr>
+          </a:lnRef>
+          <a:fillRef idx="1">
+            <a:schemeClr val="accent1"/>
+          </a:fillRef>
+          <a:effectRef idx="0">
+            <a:schemeClr val="accent1"/>
+          </a:effectRef>
+          <a:fontRef idx="minor">
+            <a:schemeClr val="lt1"/>
+          </a:fontRef>
+        </p:style>
+        <p:txBody>
+          <a:bodyPr rtlCol="0" anchor="ctr"/>
+          <a:lstStyle/>
+          <a:p>
+            <a:pPr algn="ctr"/>
+            <a:endParaRPr lang="en-US"/>
+          </a:p>
+        </p:txBody>
+      </p:sp>
+      <p:sp>
+        <p:nvSpPr>
+          <p:cNvPr id="355" name="Gleichschenkliges Dreieck 354"/>
+          <p:cNvSpPr>
+            <a:spLocks/>
+          </p:cNvSpPr>
+          <p:nvPr/>
+        </p:nvSpPr>
+        <p:spPr>
+          <a:xfrm rot="16200000">
+            <a:off x="1711613" y="833723"/>
+            <a:ext cx="208800" cy="205200"/>
+          </a:xfrm>
+          <a:prstGeom prst="triangle">
+            <a:avLst/>
+          </a:prstGeom>
+          <a:solidFill>
+            <a:schemeClr val="accent2">
+              <a:lumMod val="40000"/>
+              <a:lumOff val="60000"/>
+            </a:schemeClr>
+          </a:solidFill>
+          <a:ln w="12700">
+            <a:noFill/>
+          </a:ln>
+        </p:spPr>
+        <p:style>
+          <a:lnRef idx="2">
+            <a:schemeClr val="accent1">
+              <a:shade val="50000"/>
+            </a:schemeClr>
+          </a:lnRef>
+          <a:fillRef idx="1">
+            <a:schemeClr val="accent1"/>
+          </a:fillRef>
+          <a:effectRef idx="0">
+            <a:schemeClr val="accent1"/>
+          </a:effectRef>
+          <a:fontRef idx="minor">
+            <a:schemeClr val="lt1"/>
+          </a:fontRef>
+        </p:style>
+        <p:txBody>
+          <a:bodyPr rtlCol="0" anchor="ctr"/>
+          <a:lstStyle/>
+          <a:p>
+            <a:pPr algn="ctr"/>
+            <a:endParaRPr lang="en-US"/>
+          </a:p>
+        </p:txBody>
+      </p:sp>
+      <p:grpSp>
+        <p:nvGrpSpPr>
+          <p:cNvPr id="29" name="Gruppieren 28"/>
+          <p:cNvGrpSpPr/>
+          <p:nvPr/>
+        </p:nvGrpSpPr>
+        <p:grpSpPr>
+          <a:xfrm>
+            <a:off x="5211107" y="444679"/>
+            <a:ext cx="158379" cy="1282048"/>
+            <a:chOff x="5432096" y="606095"/>
+            <a:chExt cx="158379" cy="1282048"/>
+          </a:xfrm>
+        </p:grpSpPr>
+        <p:sp>
+          <p:nvSpPr>
+            <p:cNvPr id="9" name="Rechteck 8"/>
+            <p:cNvSpPr/>
+            <p:nvPr/>
+          </p:nvSpPr>
+          <p:spPr>
+            <a:xfrm rot="19304701">
+              <a:off x="5446459" y="606095"/>
+              <a:ext cx="144016" cy="1242000"/>
+            </a:xfrm>
+            <a:prstGeom prst="rect">
+              <a:avLst/>
+            </a:prstGeom>
+            <a:ln w="12700">
+              <a:noFill/>
+            </a:ln>
+          </p:spPr>
+          <p:style>
+            <a:lnRef idx="2">
+              <a:schemeClr val="accent1">
+                <a:shade val="50000"/>
+              </a:schemeClr>
+            </a:lnRef>
+            <a:fillRef idx="1">
+              <a:schemeClr val="accent1"/>
+            </a:fillRef>
+            <a:effectRef idx="0">
+              <a:schemeClr val="accent1"/>
+            </a:effectRef>
+            <a:fontRef idx="minor">
+              <a:schemeClr val="lt1"/>
+            </a:fontRef>
+          </p:style>
+          <p:txBody>
+            <a:bodyPr rtlCol="0" anchor="ctr"/>
+            <a:lstStyle/>
+            <a:p>
+              <a:pPr algn="ctr"/>
+              <a:endParaRPr lang="en-US"/>
+            </a:p>
+          </p:txBody>
+        </p:sp>
+        <p:grpSp>
+          <p:nvGrpSpPr>
+            <p:cNvPr id="22" name="Gruppieren 21"/>
+            <p:cNvGrpSpPr/>
+            <p:nvPr/>
+          </p:nvGrpSpPr>
+          <p:grpSpPr>
+            <a:xfrm rot="19304701">
+              <a:off x="5432096" y="654058"/>
+              <a:ext cx="51730" cy="1234085"/>
+              <a:chOff x="4868024" y="984696"/>
+              <a:chExt cx="51730" cy="1234085"/>
+            </a:xfrm>
+          </p:grpSpPr>
+          <p:sp>
+            <p:nvSpPr>
+              <p:cNvPr id="10" name="Rechteck 9"/>
+              <p:cNvSpPr/>
+              <p:nvPr/>
+            </p:nvSpPr>
+            <p:spPr>
+              <a:xfrm rot="1205666">
+                <a:off x="4869557" y="984696"/>
+                <a:ext cx="48555" cy="73587"/>
+              </a:xfrm>
+              <a:prstGeom prst="rect">
+                <a:avLst/>
+              </a:prstGeom>
+              <a:ln w="12700">
+                <a:noFill/>
+              </a:ln>
+            </p:spPr>
+            <p:style>
+              <a:lnRef idx="2">
+                <a:schemeClr val="accent1">
+                  <a:shade val="50000"/>
+                </a:schemeClr>
+              </a:lnRef>
+              <a:fillRef idx="1">
+                <a:schemeClr val="accent1"/>
+              </a:fillRef>
+              <a:effectRef idx="0">
+                <a:schemeClr val="accent1"/>
+              </a:effectRef>
+              <a:fontRef idx="minor">
+                <a:schemeClr val="lt1"/>
+              </a:fontRef>
+            </p:style>
+            <p:txBody>
+              <a:bodyPr rtlCol="0" anchor="ctr"/>
+              <a:lstStyle/>
+              <a:p>
+                <a:pPr algn="ctr"/>
+                <a:endParaRPr lang="en-US"/>
+              </a:p>
+            </p:txBody>
+          </p:sp>
+          <p:sp>
+            <p:nvSpPr>
+              <p:cNvPr id="330" name="Rechteck 329"/>
+              <p:cNvSpPr/>
+              <p:nvPr/>
+            </p:nvSpPr>
+            <p:spPr>
+              <a:xfrm rot="1205666">
+                <a:off x="4871199" y="1062013"/>
+                <a:ext cx="48555" cy="73587"/>
+              </a:xfrm>
+              <a:prstGeom prst="rect">
+                <a:avLst/>
+              </a:prstGeom>
+              <a:ln w="12700">
+                <a:noFill/>
+              </a:ln>
+            </p:spPr>
+            <p:style>
+              <a:lnRef idx="2">
+                <a:schemeClr val="accent1">
+                  <a:shade val="50000"/>
+                </a:schemeClr>
+              </a:lnRef>
+              <a:fillRef idx="1">
+                <a:schemeClr val="accent1"/>
+              </a:fillRef>
+              <a:effectRef idx="0">
+                <a:schemeClr val="accent1"/>
+              </a:effectRef>
+              <a:fontRef idx="minor">
+                <a:schemeClr val="lt1"/>
+              </a:fontRef>
+            </p:style>
+            <p:txBody>
+              <a:bodyPr rtlCol="0" anchor="ctr"/>
+              <a:lstStyle/>
+              <a:p>
+                <a:pPr algn="ctr"/>
+                <a:endParaRPr lang="en-US"/>
+              </a:p>
+            </p:txBody>
+          </p:sp>
+          <p:sp>
+            <p:nvSpPr>
+              <p:cNvPr id="337" name="Rechteck 336"/>
+              <p:cNvSpPr/>
+              <p:nvPr/>
+            </p:nvSpPr>
+            <p:spPr>
+              <a:xfrm rot="1205666">
+                <a:off x="4869557" y="1137096"/>
+                <a:ext cx="48555" cy="73587"/>
+              </a:xfrm>
+              <a:prstGeom prst="rect">
+                <a:avLst/>
+              </a:prstGeom>
+              <a:ln w="12700">
+                <a:noFill/>
+              </a:ln>
+            </p:spPr>
+            <p:style>
+              <a:lnRef idx="2">
+                <a:schemeClr val="accent1">
+                  <a:shade val="50000"/>
+                </a:schemeClr>
+              </a:lnRef>
+              <a:fillRef idx="1">
+                <a:schemeClr val="accent1"/>
+              </a:fillRef>
+              <a:effectRef idx="0">
+                <a:schemeClr val="accent1"/>
+              </a:effectRef>
+              <a:fontRef idx="minor">
+                <a:schemeClr val="lt1"/>
+              </a:fontRef>
+            </p:style>
+            <p:txBody>
+              <a:bodyPr rtlCol="0" anchor="ctr"/>
+              <a:lstStyle/>
+              <a:p>
+                <a:pPr algn="ctr"/>
+                <a:endParaRPr lang="en-US"/>
+              </a:p>
+            </p:txBody>
+          </p:sp>
+          <p:sp>
+            <p:nvSpPr>
+              <p:cNvPr id="338" name="Rechteck 337"/>
+              <p:cNvSpPr/>
+              <p:nvPr/>
+            </p:nvSpPr>
+            <p:spPr>
+              <a:xfrm rot="1205666">
+                <a:off x="4871199" y="1213330"/>
+                <a:ext cx="48555" cy="73587"/>
+              </a:xfrm>
+              <a:prstGeom prst="rect">
+                <a:avLst/>
+              </a:prstGeom>
+              <a:ln w="12700">
+                <a:noFill/>
+              </a:ln>
+            </p:spPr>
+            <p:style>
+              <a:lnRef idx="2">
+                <a:schemeClr val="accent1">
+                  <a:shade val="50000"/>
+                </a:schemeClr>
+              </a:lnRef>
+              <a:fillRef idx="1">
+                <a:schemeClr val="accent1"/>
+              </a:fillRef>
+              <a:effectRef idx="0">
+                <a:schemeClr val="accent1"/>
+              </a:effectRef>
+              <a:fontRef idx="minor">
+                <a:schemeClr val="lt1"/>
+              </a:fontRef>
+            </p:style>
+            <p:txBody>
+              <a:bodyPr rtlCol="0" anchor="ctr"/>
+              <a:lstStyle/>
+              <a:p>
+                <a:pPr algn="ctr"/>
+                <a:endParaRPr lang="en-US"/>
+              </a:p>
+            </p:txBody>
+          </p:sp>
+          <p:sp>
+            <p:nvSpPr>
+              <p:cNvPr id="339" name="Rechteck 338"/>
+              <p:cNvSpPr/>
+              <p:nvPr/>
+            </p:nvSpPr>
+            <p:spPr>
+              <a:xfrm rot="1205666">
+                <a:off x="4869557" y="1290737"/>
+                <a:ext cx="48555" cy="73587"/>
+              </a:xfrm>
+              <a:prstGeom prst="rect">
+                <a:avLst/>
+              </a:prstGeom>
+              <a:ln w="12700">
+                <a:noFill/>
+              </a:ln>
+            </p:spPr>
+            <p:style>
+              <a:lnRef idx="2">
+                <a:schemeClr val="accent1">
+                  <a:shade val="50000"/>
+                </a:schemeClr>
+              </a:lnRef>
+              <a:fillRef idx="1">
+                <a:schemeClr val="accent1"/>
+              </a:fillRef>
+              <a:effectRef idx="0">
+                <a:schemeClr val="accent1"/>
+              </a:effectRef>
+              <a:fontRef idx="minor">
+                <a:schemeClr val="lt1"/>
+              </a:fontRef>
+            </p:style>
+            <p:txBody>
+              <a:bodyPr rtlCol="0" anchor="ctr"/>
+              <a:lstStyle/>
+              <a:p>
+                <a:pPr algn="ctr"/>
+                <a:endParaRPr lang="en-US"/>
+              </a:p>
+            </p:txBody>
+          </p:sp>
+          <p:sp>
+            <p:nvSpPr>
+              <p:cNvPr id="340" name="Rechteck 339"/>
+              <p:cNvSpPr/>
+              <p:nvPr/>
+            </p:nvSpPr>
+            <p:spPr>
+              <a:xfrm rot="1205666">
+                <a:off x="4871199" y="1368054"/>
+                <a:ext cx="48555" cy="73587"/>
+              </a:xfrm>
+              <a:prstGeom prst="rect">
+                <a:avLst/>
+              </a:prstGeom>
+              <a:ln w="12700">
+                <a:noFill/>
+              </a:ln>
+            </p:spPr>
+            <p:style>
+              <a:lnRef idx="2">
+                <a:schemeClr val="accent1">
+                  <a:shade val="50000"/>
+                </a:schemeClr>
+              </a:lnRef>
+              <a:fillRef idx="1">
+                <a:schemeClr val="accent1"/>
+              </a:fillRef>
+              <a:effectRef idx="0">
+                <a:schemeClr val="accent1"/>
+              </a:effectRef>
+              <a:fontRef idx="minor">
+                <a:schemeClr val="lt1"/>
+              </a:fontRef>
+            </p:style>
+            <p:txBody>
+              <a:bodyPr rtlCol="0" anchor="ctr"/>
+              <a:lstStyle/>
+              <a:p>
+                <a:pPr algn="ctr"/>
+                <a:endParaRPr lang="en-US"/>
+              </a:p>
+            </p:txBody>
+          </p:sp>
+          <p:sp>
+            <p:nvSpPr>
+              <p:cNvPr id="341" name="Rechteck 340"/>
+              <p:cNvSpPr/>
+              <p:nvPr/>
+            </p:nvSpPr>
+            <p:spPr>
+              <a:xfrm rot="1205666">
+                <a:off x="4869557" y="1443137"/>
+                <a:ext cx="48555" cy="73587"/>
+              </a:xfrm>
+              <a:prstGeom prst="rect">
+                <a:avLst/>
+              </a:prstGeom>
+              <a:ln w="12700">
+                <a:noFill/>
+              </a:ln>
+            </p:spPr>
+            <p:style>
+              <a:lnRef idx="2">
+                <a:schemeClr val="accent1">
+                  <a:shade val="50000"/>
+                </a:schemeClr>
+              </a:lnRef>
+              <a:fillRef idx="1">
+                <a:schemeClr val="accent1"/>
+              </a:fillRef>
+              <a:effectRef idx="0">
+                <a:schemeClr val="accent1"/>
+              </a:effectRef>
+              <a:fontRef idx="minor">
+                <a:schemeClr val="lt1"/>
+              </a:fontRef>
+            </p:style>
+            <p:txBody>
+              <a:bodyPr rtlCol="0" anchor="ctr"/>
+              <a:lstStyle/>
+              <a:p>
+                <a:pPr algn="ctr"/>
+                <a:endParaRPr lang="en-US"/>
+              </a:p>
+            </p:txBody>
+          </p:sp>
+          <p:sp>
+            <p:nvSpPr>
+              <p:cNvPr id="342" name="Rechteck 341"/>
+              <p:cNvSpPr/>
+              <p:nvPr/>
+            </p:nvSpPr>
+            <p:spPr>
+              <a:xfrm rot="1205666">
+                <a:off x="4871199" y="1519371"/>
+                <a:ext cx="48555" cy="73587"/>
+              </a:xfrm>
+              <a:prstGeom prst="rect">
+                <a:avLst/>
+              </a:prstGeom>
+              <a:ln w="12700">
+                <a:noFill/>
+              </a:ln>
+            </p:spPr>
+            <p:style>
+              <a:lnRef idx="2">
+                <a:schemeClr val="accent1">
+                  <a:shade val="50000"/>
+                </a:schemeClr>
+              </a:lnRef>
+              <a:fillRef idx="1">
+                <a:schemeClr val="accent1"/>
+              </a:fillRef>
+              <a:effectRef idx="0">
+                <a:schemeClr val="accent1"/>
+              </a:effectRef>
+              <a:fontRef idx="minor">
+                <a:schemeClr val="lt1"/>
+              </a:fontRef>
+            </p:style>
+            <p:txBody>
+              <a:bodyPr rtlCol="0" anchor="ctr"/>
+              <a:lstStyle/>
+              <a:p>
+                <a:pPr algn="ctr"/>
+                <a:endParaRPr lang="en-US"/>
+              </a:p>
+            </p:txBody>
+          </p:sp>
+          <p:sp>
+            <p:nvSpPr>
+              <p:cNvPr id="343" name="Rechteck 342"/>
+              <p:cNvSpPr/>
+              <p:nvPr/>
+            </p:nvSpPr>
+            <p:spPr>
+              <a:xfrm rot="1205666">
+                <a:off x="4869557" y="1597819"/>
+                <a:ext cx="48555" cy="73587"/>
+              </a:xfrm>
+              <a:prstGeom prst="rect">
+                <a:avLst/>
+              </a:prstGeom>
+              <a:ln w="12700">
+                <a:noFill/>
+              </a:ln>
+            </p:spPr>
+            <p:style>
+              <a:lnRef idx="2">
+                <a:schemeClr val="accent1">
+                  <a:shade val="50000"/>
+                </a:schemeClr>
+              </a:lnRef>
+              <a:fillRef idx="1">
+                <a:schemeClr val="accent1"/>
+              </a:fillRef>
+              <a:effectRef idx="0">
+                <a:schemeClr val="accent1"/>
+              </a:effectRef>
+              <a:fontRef idx="minor">
+                <a:schemeClr val="lt1"/>
+              </a:fontRef>
+            </p:style>
+            <p:txBody>
+              <a:bodyPr rtlCol="0" anchor="ctr"/>
+              <a:lstStyle/>
+              <a:p>
+                <a:pPr algn="ctr"/>
+                <a:endParaRPr lang="en-US"/>
+              </a:p>
+            </p:txBody>
+          </p:sp>
+          <p:sp>
+            <p:nvSpPr>
+              <p:cNvPr id="344" name="Rechteck 343"/>
+              <p:cNvSpPr/>
+              <p:nvPr/>
+            </p:nvSpPr>
+            <p:spPr>
+              <a:xfrm rot="1205666">
+                <a:off x="4871199" y="1675136"/>
+                <a:ext cx="48555" cy="73587"/>
+              </a:xfrm>
+              <a:prstGeom prst="rect">
+                <a:avLst/>
+              </a:prstGeom>
+              <a:ln w="12700">
+                <a:noFill/>
+              </a:ln>
+            </p:spPr>
+            <p:style>
+              <a:lnRef idx="2">
+                <a:schemeClr val="accent1">
+                  <a:shade val="50000"/>
+                </a:schemeClr>
+              </a:lnRef>
+              <a:fillRef idx="1">
+                <a:schemeClr val="accent1"/>
+              </a:fillRef>
+              <a:effectRef idx="0">
+                <a:schemeClr val="accent1"/>
+              </a:effectRef>
+              <a:fontRef idx="minor">
+                <a:schemeClr val="lt1"/>
+              </a:fontRef>
+            </p:style>
+            <p:txBody>
+              <a:bodyPr rtlCol="0" anchor="ctr"/>
+              <a:lstStyle/>
+              <a:p>
+                <a:pPr algn="ctr"/>
+                <a:endParaRPr lang="en-US"/>
+              </a:p>
+            </p:txBody>
+          </p:sp>
+          <p:sp>
+            <p:nvSpPr>
+              <p:cNvPr id="345" name="Rechteck 344"/>
+              <p:cNvSpPr/>
+              <p:nvPr/>
+            </p:nvSpPr>
+            <p:spPr>
+              <a:xfrm rot="1205666">
+                <a:off x="4869557" y="1753394"/>
+                <a:ext cx="48555" cy="73587"/>
+              </a:xfrm>
+              <a:prstGeom prst="rect">
+                <a:avLst/>
+              </a:prstGeom>
+              <a:ln w="12700">
+                <a:noFill/>
+              </a:ln>
+            </p:spPr>
+            <p:style>
+              <a:lnRef idx="2">
+                <a:schemeClr val="accent1">
+                  <a:shade val="50000"/>
+                </a:schemeClr>
+              </a:lnRef>
+              <a:fillRef idx="1">
+                <a:schemeClr val="accent1"/>
+              </a:fillRef>
+              <a:effectRef idx="0">
+                <a:schemeClr val="accent1"/>
+              </a:effectRef>
+              <a:fontRef idx="minor">
+                <a:schemeClr val="lt1"/>
+              </a:fontRef>
+            </p:style>
+            <p:txBody>
+              <a:bodyPr rtlCol="0" anchor="ctr"/>
+              <a:lstStyle/>
+              <a:p>
+                <a:pPr algn="ctr"/>
+                <a:endParaRPr lang="en-US"/>
+              </a:p>
+            </p:txBody>
+          </p:sp>
+          <p:sp>
+            <p:nvSpPr>
+              <p:cNvPr id="346" name="Rechteck 345"/>
+              <p:cNvSpPr/>
+              <p:nvPr/>
+            </p:nvSpPr>
+            <p:spPr>
+              <a:xfrm rot="1205666">
+                <a:off x="4868024" y="1830793"/>
+                <a:ext cx="48555" cy="73587"/>
+              </a:xfrm>
+              <a:prstGeom prst="rect">
+                <a:avLst/>
+              </a:prstGeom>
+              <a:ln w="12700">
+                <a:noFill/>
+              </a:ln>
+            </p:spPr>
+            <p:style>
+              <a:lnRef idx="2">
+                <a:schemeClr val="accent1">
+                  <a:shade val="50000"/>
+                </a:schemeClr>
+              </a:lnRef>
+              <a:fillRef idx="1">
+                <a:schemeClr val="accent1"/>
+              </a:fillRef>
+              <a:effectRef idx="0">
+                <a:schemeClr val="accent1"/>
+              </a:effectRef>
+              <a:fontRef idx="minor">
+                <a:schemeClr val="lt1"/>
+              </a:fontRef>
+            </p:style>
+            <p:txBody>
+              <a:bodyPr rtlCol="0" anchor="ctr"/>
+              <a:lstStyle/>
+              <a:p>
+                <a:pPr algn="ctr"/>
+                <a:endParaRPr lang="en-US"/>
+              </a:p>
+            </p:txBody>
+          </p:sp>
+          <p:sp>
+            <p:nvSpPr>
+              <p:cNvPr id="347" name="Rechteck 346"/>
+              <p:cNvSpPr/>
+              <p:nvPr/>
+            </p:nvSpPr>
+            <p:spPr>
+              <a:xfrm rot="1205666">
+                <a:off x="4869557" y="1909151"/>
+                <a:ext cx="48555" cy="73587"/>
+              </a:xfrm>
+              <a:prstGeom prst="rect">
+                <a:avLst/>
+              </a:prstGeom>
+              <a:ln w="12700">
+                <a:noFill/>
+              </a:ln>
+            </p:spPr>
+            <p:style>
+              <a:lnRef idx="2">
+                <a:schemeClr val="accent1">
+                  <a:shade val="50000"/>
+                </a:schemeClr>
+              </a:lnRef>
+              <a:fillRef idx="1">
+                <a:schemeClr val="accent1"/>
+              </a:fillRef>
+              <a:effectRef idx="0">
+                <a:schemeClr val="accent1"/>
+              </a:effectRef>
+              <a:fontRef idx="minor">
+                <a:schemeClr val="lt1"/>
+              </a:fontRef>
+            </p:style>
+            <p:txBody>
+              <a:bodyPr rtlCol="0" anchor="ctr"/>
+              <a:lstStyle/>
+              <a:p>
+                <a:pPr algn="ctr"/>
+                <a:endParaRPr lang="en-US"/>
+              </a:p>
+            </p:txBody>
+          </p:sp>
+          <p:sp>
+            <p:nvSpPr>
+              <p:cNvPr id="348" name="Rechteck 347"/>
+              <p:cNvSpPr/>
+              <p:nvPr/>
+            </p:nvSpPr>
+            <p:spPr>
+              <a:xfrm rot="1205666">
+                <a:off x="4871199" y="1987527"/>
+                <a:ext cx="48555" cy="73587"/>
+              </a:xfrm>
+              <a:prstGeom prst="rect">
+                <a:avLst/>
+              </a:prstGeom>
+              <a:ln w="12700">
+                <a:noFill/>
+              </a:ln>
+            </p:spPr>
+            <p:style>
+              <a:lnRef idx="2">
+                <a:schemeClr val="accent1">
+                  <a:shade val="50000"/>
+                </a:schemeClr>
+              </a:lnRef>
+              <a:fillRef idx="1">
+                <a:schemeClr val="accent1"/>
+              </a:fillRef>
+              <a:effectRef idx="0">
+                <a:schemeClr val="accent1"/>
+              </a:effectRef>
+              <a:fontRef idx="minor">
+                <a:schemeClr val="lt1"/>
+              </a:fontRef>
+            </p:style>
+            <p:txBody>
+              <a:bodyPr rtlCol="0" anchor="ctr"/>
+              <a:lstStyle/>
+              <a:p>
+                <a:pPr algn="ctr"/>
+                <a:endParaRPr lang="en-US"/>
+              </a:p>
+            </p:txBody>
+          </p:sp>
+          <p:sp>
+            <p:nvSpPr>
+              <p:cNvPr id="349" name="Rechteck 348"/>
+              <p:cNvSpPr/>
+              <p:nvPr/>
+            </p:nvSpPr>
+            <p:spPr>
+              <a:xfrm rot="1205666">
+                <a:off x="4869557" y="2066950"/>
+                <a:ext cx="48555" cy="73587"/>
+              </a:xfrm>
+              <a:prstGeom prst="rect">
+                <a:avLst/>
+              </a:prstGeom>
+              <a:ln w="12700">
+                <a:noFill/>
+              </a:ln>
+            </p:spPr>
+            <p:style>
+              <a:lnRef idx="2">
+                <a:schemeClr val="accent1">
+                  <a:shade val="50000"/>
+                </a:schemeClr>
+              </a:lnRef>
+              <a:fillRef idx="1">
+                <a:schemeClr val="accent1"/>
+              </a:fillRef>
+              <a:effectRef idx="0">
+                <a:schemeClr val="accent1"/>
+              </a:effectRef>
+              <a:fontRef idx="minor">
+                <a:schemeClr val="lt1"/>
+              </a:fontRef>
+            </p:style>
+            <p:txBody>
+              <a:bodyPr rtlCol="0" anchor="ctr"/>
+              <a:lstStyle/>
+              <a:p>
+                <a:pPr algn="ctr"/>
+                <a:endParaRPr lang="en-US"/>
+              </a:p>
+            </p:txBody>
+          </p:sp>
+          <p:sp>
+            <p:nvSpPr>
+              <p:cNvPr id="350" name="Rechteck 349"/>
+              <p:cNvSpPr/>
+              <p:nvPr/>
+            </p:nvSpPr>
+            <p:spPr>
+              <a:xfrm rot="1205666">
+                <a:off x="4871199" y="2145194"/>
+                <a:ext cx="48555" cy="73587"/>
+              </a:xfrm>
+              <a:prstGeom prst="rect">
+                <a:avLst/>
+              </a:prstGeom>
+              <a:ln w="12700">
+                <a:noFill/>
+              </a:ln>
+            </p:spPr>
+            <p:style>
+              <a:lnRef idx="2">
+                <a:schemeClr val="accent1">
+                  <a:shade val="50000"/>
+                </a:schemeClr>
+              </a:lnRef>
+              <a:fillRef idx="1">
+                <a:schemeClr val="accent1"/>
+              </a:fillRef>
+              <a:effectRef idx="0">
+                <a:schemeClr val="accent1"/>
+              </a:effectRef>
+              <a:fontRef idx="minor">
+                <a:schemeClr val="lt1"/>
+              </a:fontRef>
+            </p:style>
+            <p:txBody>
+              <a:bodyPr rtlCol="0" anchor="ctr"/>
+              <a:lstStyle/>
+              <a:p>
+                <a:pPr algn="ctr"/>
+                <a:endParaRPr lang="en-US"/>
+              </a:p>
+            </p:txBody>
+          </p:sp>
+        </p:grpSp>
+      </p:grpSp>
+      <p:cxnSp>
+        <p:nvCxnSpPr>
+          <p:cNvPr id="35" name="Gerade Verbindung 34"/>
+          <p:cNvCxnSpPr/>
+          <p:nvPr/>
+        </p:nvCxnSpPr>
+        <p:spPr>
+          <a:xfrm flipH="1">
+            <a:off x="1901354" y="830362"/>
+            <a:ext cx="504056" cy="0"/>
+          </a:xfrm>
+          <a:prstGeom prst="line">
+            <a:avLst/>
+          </a:prstGeom>
+          <a:ln>
+            <a:solidFill>
+              <a:schemeClr val="accent2">
+                <a:lumMod val="75000"/>
+              </a:schemeClr>
+            </a:solidFill>
+          </a:ln>
+        </p:spPr>
+        <p:style>
+          <a:lnRef idx="1">
+            <a:schemeClr val="accent1"/>
+          </a:lnRef>
+          <a:fillRef idx="0">
+            <a:schemeClr val="accent1"/>
+          </a:fillRef>
+          <a:effectRef idx="0">
+            <a:schemeClr val="accent1"/>
+          </a:effectRef>
+          <a:fontRef idx="minor">
+            <a:schemeClr val="tx1"/>
+          </a:fontRef>
+        </p:style>
+      </p:cxnSp>
+      <p:cxnSp>
+        <p:nvCxnSpPr>
+          <p:cNvPr id="358" name="Gerade Verbindung 357"/>
+          <p:cNvCxnSpPr/>
+          <p:nvPr/>
+        </p:nvCxnSpPr>
+        <p:spPr>
+          <a:xfrm flipH="1">
+            <a:off x="1901354" y="1039235"/>
+            <a:ext cx="504056" cy="0"/>
+          </a:xfrm>
+          <a:prstGeom prst="line">
+            <a:avLst/>
+          </a:prstGeom>
+          <a:ln>
+            <a:solidFill>
+              <a:schemeClr val="accent2">
+                <a:lumMod val="75000"/>
+              </a:schemeClr>
+            </a:solidFill>
+          </a:ln>
+        </p:spPr>
+        <p:style>
+          <a:lnRef idx="1">
+            <a:schemeClr val="accent1"/>
+          </a:lnRef>
+          <a:fillRef idx="0">
+            <a:schemeClr val="accent1"/>
+          </a:fillRef>
+          <a:effectRef idx="0">
+            <a:schemeClr val="accent1"/>
+          </a:effectRef>
+          <a:fontRef idx="minor">
+            <a:schemeClr val="tx1"/>
+          </a:fontRef>
+        </p:style>
+      </p:cxnSp>
+      <p:sp>
+        <p:nvSpPr>
+          <p:cNvPr id="5" name="Ellipse 4"/>
+          <p:cNvSpPr/>
+          <p:nvPr/>
+        </p:nvSpPr>
+        <p:spPr>
+          <a:xfrm>
+            <a:off x="1808801" y="584828"/>
+            <a:ext cx="216024" cy="720080"/>
+          </a:xfrm>
+          <a:prstGeom prst="ellipse">
+            <a:avLst/>
+          </a:prstGeom>
+          <a:solidFill>
+            <a:schemeClr val="bg1">
+              <a:lumMod val="85000"/>
+              <a:alpha val="58000"/>
+            </a:schemeClr>
+          </a:solidFill>
+          <a:ln w="12700">
+            <a:solidFill>
+              <a:schemeClr val="bg1">
+                <a:lumMod val="65000"/>
+              </a:schemeClr>
+            </a:solidFill>
+          </a:ln>
+        </p:spPr>
+        <p:style>
+          <a:lnRef idx="2">
+            <a:schemeClr val="accent1">
+              <a:shade val="50000"/>
+            </a:schemeClr>
+          </a:lnRef>
+          <a:fillRef idx="1">
+            <a:schemeClr val="accent1"/>
+          </a:fillRef>
+          <a:effectRef idx="0">
+            <a:schemeClr val="accent1"/>
+          </a:effectRef>
+          <a:fontRef idx="minor">
+            <a:schemeClr val="lt1"/>
+          </a:fontRef>
+        </p:style>
+        <p:txBody>
+          <a:bodyPr rtlCol="0" anchor="ctr"/>
+          <a:lstStyle/>
+          <a:p>
+            <a:pPr algn="ctr"/>
+            <a:endParaRPr lang="en-US"/>
+          </a:p>
+        </p:txBody>
+      </p:sp>
+    </p:spTree>
+    <p:extLst>
+      <p:ext uri="{BB962C8B-B14F-4D97-AF65-F5344CB8AC3E}">
+        <p14:creationId xmlns:p14="http://schemas.microsoft.com/office/powerpoint/2010/main" val="3773941469"/>
+      </p:ext>
+    </p:extLst>
+  </p:cSld>
+  <p:clrMapOvr>
+    <a:masterClrMapping/>
+  </p:clrMapOvr>
+  <p:timing>
+    <p:tnLst>
+      <p:par>
+        <p:cTn id="1" dur="indefinite" restart="never" nodeType="tmRoot"/>
+      </p:par>
+    </p:tnLst>
+  </p:timing>
 </p:sld>
 </file>
 

--- a/misc/zeichnungen.pptx
+++ b/misc/zeichnungen.pptx
@@ -196,7 +196,7 @@
           <a:p>
             <a:fld id="{F4F03C40-80E2-48B5-AD93-42720680308F}" type="datetimeFigureOut">
               <a:rPr lang="en-US" smtClean="0"/>
-              <a:t>12/7/2011</a:t>
+              <a:t>1/5/2012</a:t>
             </a:fld>
             <a:endParaRPr lang="en-US"/>
           </a:p>
@@ -813,7 +813,7 @@
           <a:p>
             <a:fld id="{3E8D215E-9EDC-45B6-82BD-AACBA5328147}" type="datetimeFigureOut">
               <a:rPr lang="en-US" smtClean="0"/>
-              <a:t>12/7/2011</a:t>
+              <a:t>1/5/2012</a:t>
             </a:fld>
             <a:endParaRPr lang="en-US"/>
           </a:p>
@@ -983,7 +983,7 @@
           <a:p>
             <a:fld id="{3E8D215E-9EDC-45B6-82BD-AACBA5328147}" type="datetimeFigureOut">
               <a:rPr lang="en-US" smtClean="0"/>
-              <a:t>12/7/2011</a:t>
+              <a:t>1/5/2012</a:t>
             </a:fld>
             <a:endParaRPr lang="en-US"/>
           </a:p>
@@ -1163,7 +1163,7 @@
           <a:p>
             <a:fld id="{3E8D215E-9EDC-45B6-82BD-AACBA5328147}" type="datetimeFigureOut">
               <a:rPr lang="en-US" smtClean="0"/>
-              <a:t>12/7/2011</a:t>
+              <a:t>1/5/2012</a:t>
             </a:fld>
             <a:endParaRPr lang="en-US"/>
           </a:p>
@@ -1333,7 +1333,7 @@
           <a:p>
             <a:fld id="{3E8D215E-9EDC-45B6-82BD-AACBA5328147}" type="datetimeFigureOut">
               <a:rPr lang="en-US" smtClean="0"/>
-              <a:t>12/7/2011</a:t>
+              <a:t>1/5/2012</a:t>
             </a:fld>
             <a:endParaRPr lang="en-US"/>
           </a:p>
@@ -1579,7 +1579,7 @@
           <a:p>
             <a:fld id="{3E8D215E-9EDC-45B6-82BD-AACBA5328147}" type="datetimeFigureOut">
               <a:rPr lang="en-US" smtClean="0"/>
-              <a:t>12/7/2011</a:t>
+              <a:t>1/5/2012</a:t>
             </a:fld>
             <a:endParaRPr lang="en-US"/>
           </a:p>
@@ -1867,7 +1867,7 @@
           <a:p>
             <a:fld id="{3E8D215E-9EDC-45B6-82BD-AACBA5328147}" type="datetimeFigureOut">
               <a:rPr lang="en-US" smtClean="0"/>
-              <a:t>12/7/2011</a:t>
+              <a:t>1/5/2012</a:t>
             </a:fld>
             <a:endParaRPr lang="en-US"/>
           </a:p>
@@ -2289,7 +2289,7 @@
           <a:p>
             <a:fld id="{3E8D215E-9EDC-45B6-82BD-AACBA5328147}" type="datetimeFigureOut">
               <a:rPr lang="en-US" smtClean="0"/>
-              <a:t>12/7/2011</a:t>
+              <a:t>1/5/2012</a:t>
             </a:fld>
             <a:endParaRPr lang="en-US"/>
           </a:p>
@@ -2407,7 +2407,7 @@
           <a:p>
             <a:fld id="{3E8D215E-9EDC-45B6-82BD-AACBA5328147}" type="datetimeFigureOut">
               <a:rPr lang="en-US" smtClean="0"/>
-              <a:t>12/7/2011</a:t>
+              <a:t>1/5/2012</a:t>
             </a:fld>
             <a:endParaRPr lang="en-US"/>
           </a:p>
@@ -2502,7 +2502,7 @@
           <a:p>
             <a:fld id="{3E8D215E-9EDC-45B6-82BD-AACBA5328147}" type="datetimeFigureOut">
               <a:rPr lang="en-US" smtClean="0"/>
-              <a:t>12/7/2011</a:t>
+              <a:t>1/5/2012</a:t>
             </a:fld>
             <a:endParaRPr lang="en-US"/>
           </a:p>
@@ -2779,7 +2779,7 @@
           <a:p>
             <a:fld id="{3E8D215E-9EDC-45B6-82BD-AACBA5328147}" type="datetimeFigureOut">
               <a:rPr lang="en-US" smtClean="0"/>
-              <a:t>12/7/2011</a:t>
+              <a:t>1/5/2012</a:t>
             </a:fld>
             <a:endParaRPr lang="en-US"/>
           </a:p>
@@ -3032,7 +3032,7 @@
           <a:p>
             <a:fld id="{3E8D215E-9EDC-45B6-82BD-AACBA5328147}" type="datetimeFigureOut">
               <a:rPr lang="en-US" smtClean="0"/>
-              <a:t>12/7/2011</a:t>
+              <a:t>1/5/2012</a:t>
             </a:fld>
             <a:endParaRPr lang="en-US"/>
           </a:p>
@@ -3245,7 +3245,7 @@
           <a:p>
             <a:fld id="{3E8D215E-9EDC-45B6-82BD-AACBA5328147}" type="datetimeFigureOut">
               <a:rPr lang="en-US" smtClean="0"/>
-              <a:t>12/7/2011</a:t>
+              <a:t>1/5/2012</a:t>
             </a:fld>
             <a:endParaRPr lang="en-US"/>
           </a:p>
@@ -6523,6 +6523,74 @@
           <a:chExt cx="0" cy="0"/>
         </a:xfrm>
       </p:grpSpPr>
+      <p:sp>
+        <p:nvSpPr>
+          <p:cNvPr id="95" name="Textfeld 94"/>
+          <p:cNvSpPr txBox="1"/>
+          <p:nvPr/>
+        </p:nvSpPr>
+        <p:spPr>
+          <a:xfrm>
+            <a:off x="999308" y="1508123"/>
+            <a:ext cx="295274" cy="246221"/>
+          </a:xfrm>
+          <a:prstGeom prst="rect">
+            <a:avLst/>
+          </a:prstGeom>
+          <a:noFill/>
+        </p:spPr>
+        <p:txBody>
+          <a:bodyPr wrap="none" rtlCol="0">
+            <a:spAutoFit/>
+          </a:bodyPr>
+          <a:lstStyle/>
+          <a:p>
+            <a:r>
+              <a:rPr lang="de-DE" sz="1000" dirty="0" smtClean="0"/>
+              <a:t>E</a:t>
+            </a:r>
+            <a:r>
+              <a:rPr lang="de-DE" sz="1000" baseline="-25000" dirty="0" smtClean="0"/>
+              <a:t>V</a:t>
+            </a:r>
+            <a:endParaRPr lang="en-US" sz="1000" baseline="-25000" dirty="0"/>
+          </a:p>
+        </p:txBody>
+      </p:sp>
+      <p:sp>
+        <p:nvSpPr>
+          <p:cNvPr id="139" name="Textfeld 138"/>
+          <p:cNvSpPr txBox="1"/>
+          <p:nvPr/>
+        </p:nvSpPr>
+        <p:spPr>
+          <a:xfrm>
+            <a:off x="1006168" y="3437384"/>
+            <a:ext cx="295274" cy="246221"/>
+          </a:xfrm>
+          <a:prstGeom prst="rect">
+            <a:avLst/>
+          </a:prstGeom>
+          <a:noFill/>
+        </p:spPr>
+        <p:txBody>
+          <a:bodyPr wrap="none" rtlCol="0">
+            <a:spAutoFit/>
+          </a:bodyPr>
+          <a:lstStyle/>
+          <a:p>
+            <a:r>
+              <a:rPr lang="de-DE" sz="1000" dirty="0" smtClean="0"/>
+              <a:t>E</a:t>
+            </a:r>
+            <a:r>
+              <a:rPr lang="de-DE" sz="1000" baseline="-25000" dirty="0" smtClean="0"/>
+              <a:t>V</a:t>
+            </a:r>
+            <a:endParaRPr lang="en-US" sz="1000" baseline="-25000" dirty="0"/>
+          </a:p>
+        </p:txBody>
+      </p:sp>
       <p:cxnSp>
         <p:nvCxnSpPr>
           <p:cNvPr id="7" name="Gerade Verbindung mit Pfeil 6"/>
@@ -8030,7 +8098,7 @@
             </a:r>
             <a:r>
               <a:rPr lang="de-DE" sz="1000" baseline="-25000" dirty="0" smtClean="0"/>
-              <a:t>D</a:t>
+              <a:t>A</a:t>
             </a:r>
             <a:endParaRPr lang="en-US" sz="1000" baseline="-25000" dirty="0"/>
           </a:p>
@@ -8065,40 +8133,6 @@
             <a:r>
               <a:rPr lang="de-DE" sz="1000" baseline="-25000" dirty="0" smtClean="0"/>
               <a:t>F</a:t>
-            </a:r>
-            <a:endParaRPr lang="en-US" sz="1000" baseline="-25000" dirty="0"/>
-          </a:p>
-        </p:txBody>
-      </p:sp>
-      <p:sp>
-        <p:nvSpPr>
-          <p:cNvPr id="95" name="Textfeld 94"/>
-          <p:cNvSpPr txBox="1"/>
-          <p:nvPr/>
-        </p:nvSpPr>
-        <p:spPr>
-          <a:xfrm>
-            <a:off x="999308" y="1508123"/>
-            <a:ext cx="295274" cy="246221"/>
-          </a:xfrm>
-          <a:prstGeom prst="rect">
-            <a:avLst/>
-          </a:prstGeom>
-          <a:noFill/>
-        </p:spPr>
-        <p:txBody>
-          <a:bodyPr wrap="none" rtlCol="0">
-            <a:spAutoFit/>
-          </a:bodyPr>
-          <a:lstStyle/>
-          <a:p>
-            <a:r>
-              <a:rPr lang="de-DE" sz="1000" dirty="0" smtClean="0"/>
-              <a:t>E</a:t>
-            </a:r>
-            <a:r>
-              <a:rPr lang="de-DE" sz="1000" baseline="-25000" dirty="0" smtClean="0"/>
-              <a:t>V</a:t>
             </a:r>
             <a:endParaRPr lang="en-US" sz="1000" baseline="-25000" dirty="0"/>
           </a:p>
@@ -9417,7 +9451,7 @@
             </a:r>
             <a:r>
               <a:rPr lang="de-DE" sz="1000" baseline="-25000" dirty="0" smtClean="0"/>
-              <a:t>D</a:t>
+              <a:t>A</a:t>
             </a:r>
             <a:endParaRPr lang="en-US" sz="1000" baseline="-25000" dirty="0"/>
           </a:p>
@@ -9452,40 +9486,6 @@
             <a:r>
               <a:rPr lang="de-DE" sz="1000" baseline="-25000" dirty="0" smtClean="0"/>
               <a:t>F</a:t>
-            </a:r>
-            <a:endParaRPr lang="en-US" sz="1000" baseline="-25000" dirty="0"/>
-          </a:p>
-        </p:txBody>
-      </p:sp>
-      <p:sp>
-        <p:nvSpPr>
-          <p:cNvPr id="139" name="Textfeld 138"/>
-          <p:cNvSpPr txBox="1"/>
-          <p:nvPr/>
-        </p:nvSpPr>
-        <p:spPr>
-          <a:xfrm>
-            <a:off x="1006168" y="3437384"/>
-            <a:ext cx="295274" cy="246221"/>
-          </a:xfrm>
-          <a:prstGeom prst="rect">
-            <a:avLst/>
-          </a:prstGeom>
-          <a:noFill/>
-        </p:spPr>
-        <p:txBody>
-          <a:bodyPr wrap="none" rtlCol="0">
-            <a:spAutoFit/>
-          </a:bodyPr>
-          <a:lstStyle/>
-          <a:p>
-            <a:r>
-              <a:rPr lang="de-DE" sz="1000" dirty="0" smtClean="0"/>
-              <a:t>E</a:t>
-            </a:r>
-            <a:r>
-              <a:rPr lang="de-DE" sz="1000" baseline="-25000" dirty="0" smtClean="0"/>
-              <a:t>V</a:t>
             </a:r>
             <a:endParaRPr lang="en-US" sz="1000" baseline="-25000" dirty="0"/>
           </a:p>

--- a/misc/zeichnungen.pptx
+++ b/misc/zeichnungen.pptx
@@ -196,7 +196,7 @@
           <a:p>
             <a:fld id="{F4F03C40-80E2-48B5-AD93-42720680308F}" type="datetimeFigureOut">
               <a:rPr lang="en-US" smtClean="0"/>
-              <a:t>1/5/2012</a:t>
+              <a:t>1/29/2012</a:t>
             </a:fld>
             <a:endParaRPr lang="en-US"/>
           </a:p>
@@ -813,7 +813,7 @@
           <a:p>
             <a:fld id="{3E8D215E-9EDC-45B6-82BD-AACBA5328147}" type="datetimeFigureOut">
               <a:rPr lang="en-US" smtClean="0"/>
-              <a:t>1/5/2012</a:t>
+              <a:t>1/29/2012</a:t>
             </a:fld>
             <a:endParaRPr lang="en-US"/>
           </a:p>
@@ -983,7 +983,7 @@
           <a:p>
             <a:fld id="{3E8D215E-9EDC-45B6-82BD-AACBA5328147}" type="datetimeFigureOut">
               <a:rPr lang="en-US" smtClean="0"/>
-              <a:t>1/5/2012</a:t>
+              <a:t>1/29/2012</a:t>
             </a:fld>
             <a:endParaRPr lang="en-US"/>
           </a:p>
@@ -1163,7 +1163,7 @@
           <a:p>
             <a:fld id="{3E8D215E-9EDC-45B6-82BD-AACBA5328147}" type="datetimeFigureOut">
               <a:rPr lang="en-US" smtClean="0"/>
-              <a:t>1/5/2012</a:t>
+              <a:t>1/29/2012</a:t>
             </a:fld>
             <a:endParaRPr lang="en-US"/>
           </a:p>
@@ -1333,7 +1333,7 @@
           <a:p>
             <a:fld id="{3E8D215E-9EDC-45B6-82BD-AACBA5328147}" type="datetimeFigureOut">
               <a:rPr lang="en-US" smtClean="0"/>
-              <a:t>1/5/2012</a:t>
+              <a:t>1/29/2012</a:t>
             </a:fld>
             <a:endParaRPr lang="en-US"/>
           </a:p>
@@ -1579,7 +1579,7 @@
           <a:p>
             <a:fld id="{3E8D215E-9EDC-45B6-82BD-AACBA5328147}" type="datetimeFigureOut">
               <a:rPr lang="en-US" smtClean="0"/>
-              <a:t>1/5/2012</a:t>
+              <a:t>1/29/2012</a:t>
             </a:fld>
             <a:endParaRPr lang="en-US"/>
           </a:p>
@@ -1867,7 +1867,7 @@
           <a:p>
             <a:fld id="{3E8D215E-9EDC-45B6-82BD-AACBA5328147}" type="datetimeFigureOut">
               <a:rPr lang="en-US" smtClean="0"/>
-              <a:t>1/5/2012</a:t>
+              <a:t>1/29/2012</a:t>
             </a:fld>
             <a:endParaRPr lang="en-US"/>
           </a:p>
@@ -2289,7 +2289,7 @@
           <a:p>
             <a:fld id="{3E8D215E-9EDC-45B6-82BD-AACBA5328147}" type="datetimeFigureOut">
               <a:rPr lang="en-US" smtClean="0"/>
-              <a:t>1/5/2012</a:t>
+              <a:t>1/29/2012</a:t>
             </a:fld>
             <a:endParaRPr lang="en-US"/>
           </a:p>
@@ -2407,7 +2407,7 @@
           <a:p>
             <a:fld id="{3E8D215E-9EDC-45B6-82BD-AACBA5328147}" type="datetimeFigureOut">
               <a:rPr lang="en-US" smtClean="0"/>
-              <a:t>1/5/2012</a:t>
+              <a:t>1/29/2012</a:t>
             </a:fld>
             <a:endParaRPr lang="en-US"/>
           </a:p>
@@ -2502,7 +2502,7 @@
           <a:p>
             <a:fld id="{3E8D215E-9EDC-45B6-82BD-AACBA5328147}" type="datetimeFigureOut">
               <a:rPr lang="en-US" smtClean="0"/>
-              <a:t>1/5/2012</a:t>
+              <a:t>1/29/2012</a:t>
             </a:fld>
             <a:endParaRPr lang="en-US"/>
           </a:p>
@@ -2779,7 +2779,7 @@
           <a:p>
             <a:fld id="{3E8D215E-9EDC-45B6-82BD-AACBA5328147}" type="datetimeFigureOut">
               <a:rPr lang="en-US" smtClean="0"/>
-              <a:t>1/5/2012</a:t>
+              <a:t>1/29/2012</a:t>
             </a:fld>
             <a:endParaRPr lang="en-US"/>
           </a:p>
@@ -3032,7 +3032,7 @@
           <a:p>
             <a:fld id="{3E8D215E-9EDC-45B6-82BD-AACBA5328147}" type="datetimeFigureOut">
               <a:rPr lang="en-US" smtClean="0"/>
-              <a:t>1/5/2012</a:t>
+              <a:t>1/29/2012</a:t>
             </a:fld>
             <a:endParaRPr lang="en-US"/>
           </a:p>
@@ -3245,7 +3245,7 @@
           <a:p>
             <a:fld id="{3E8D215E-9EDC-45B6-82BD-AACBA5328147}" type="datetimeFigureOut">
               <a:rPr lang="en-US" smtClean="0"/>
-              <a:t>1/5/2012</a:t>
+              <a:t>1/29/2012</a:t>
             </a:fld>
             <a:endParaRPr lang="en-US"/>
           </a:p>
@@ -4867,7 +4867,7 @@
         </p:nvSpPr>
         <p:spPr>
           <a:xfrm>
-            <a:off x="643179" y="5947868"/>
+            <a:off x="643179" y="5585682"/>
             <a:ext cx="544444" cy="400110"/>
           </a:xfrm>
           <a:prstGeom prst="rect">
@@ -4897,7 +4897,7 @@
         </p:nvSpPr>
         <p:spPr>
           <a:xfrm>
-            <a:off x="643179" y="5231346"/>
+            <a:off x="643179" y="4869160"/>
             <a:ext cx="544444" cy="400110"/>
           </a:xfrm>
           <a:prstGeom prst="rect">
